--- a/Agenda/Girish_Rishi_VisCommerce.pptx
+++ b/Agenda/Girish_Rishi_VisCommerce.pptx
@@ -4,6 +4,9 @@
   <p:sldMasterIdLst>
     <p:sldMasterId id="2147483648" r:id="rId1"/>
   </p:sldMasterIdLst>
+  <p:notesMasterIdLst>
+    <p:notesMasterId r:id="rId17"/>
+  </p:notesMasterIdLst>
   <p:sldIdLst>
     <p:sldId id="256" r:id="rId2"/>
     <p:sldId id="320" r:id="rId3"/>
@@ -13,12 +16,13 @@
     <p:sldId id="340" r:id="rId7"/>
     <p:sldId id="325" r:id="rId8"/>
     <p:sldId id="326" r:id="rId9"/>
-    <p:sldId id="336" r:id="rId10"/>
-    <p:sldId id="451" r:id="rId11"/>
-    <p:sldId id="332" r:id="rId12"/>
-    <p:sldId id="328" r:id="rId13"/>
-    <p:sldId id="335" r:id="rId14"/>
-    <p:sldId id="339" r:id="rId15"/>
+    <p:sldId id="450" r:id="rId10"/>
+    <p:sldId id="336" r:id="rId11"/>
+    <p:sldId id="451" r:id="rId12"/>
+    <p:sldId id="332" r:id="rId13"/>
+    <p:sldId id="328" r:id="rId14"/>
+    <p:sldId id="335" r:id="rId15"/>
+    <p:sldId id="339" r:id="rId16"/>
   </p:sldIdLst>
   <p:sldSz cx="12192000" cy="6858000"/>
   <p:notesSz cx="6858000" cy="9144000"/>
@@ -31500,6 +31504,544 @@
 </dgm:styleDef>
 </file>
 
+<file path=ppt/notesMasters/notesMaster1.xml><?xml version="1.0" encoding="utf-8"?>
+<p:notesMaster xmlns:a="http://schemas.openxmlformats.org/drawingml/2006/main" xmlns:r="http://schemas.openxmlformats.org/officeDocument/2006/relationships" xmlns:p="http://schemas.openxmlformats.org/presentationml/2006/main">
+  <p:cSld>
+    <p:bg>
+      <p:bgRef idx="1001">
+        <a:schemeClr val="bg1"/>
+      </p:bgRef>
+    </p:bg>
+    <p:spTree>
+      <p:nvGrpSpPr>
+        <p:cNvPr id="1" name=""/>
+        <p:cNvGrpSpPr/>
+        <p:nvPr/>
+      </p:nvGrpSpPr>
+      <p:grpSpPr>
+        <a:xfrm>
+          <a:off x="0" y="0"/>
+          <a:ext cx="0" cy="0"/>
+          <a:chOff x="0" y="0"/>
+          <a:chExt cx="0" cy="0"/>
+        </a:xfrm>
+      </p:grpSpPr>
+      <p:sp>
+        <p:nvSpPr>
+          <p:cNvPr id="2" name="Header Placeholder 1"/>
+          <p:cNvSpPr>
+            <a:spLocks noGrp="1"/>
+          </p:cNvSpPr>
+          <p:nvPr>
+            <p:ph type="hdr" sz="quarter"/>
+          </p:nvPr>
+        </p:nvSpPr>
+        <p:spPr>
+          <a:xfrm>
+            <a:off x="0" y="0"/>
+            <a:ext cx="2971800" cy="458788"/>
+          </a:xfrm>
+          <a:prstGeom prst="rect">
+            <a:avLst/>
+          </a:prstGeom>
+        </p:spPr>
+        <p:txBody>
+          <a:bodyPr vert="horz" lIns="91440" tIns="45720" rIns="91440" bIns="45720" rtlCol="0"/>
+          <a:lstStyle>
+            <a:lvl1pPr algn="l">
+              <a:defRPr sz="1200"/>
+            </a:lvl1pPr>
+          </a:lstStyle>
+          <a:p>
+            <a:endParaRPr lang="en-US"/>
+          </a:p>
+        </p:txBody>
+      </p:sp>
+      <p:sp>
+        <p:nvSpPr>
+          <p:cNvPr id="3" name="Date Placeholder 2"/>
+          <p:cNvSpPr>
+            <a:spLocks noGrp="1"/>
+          </p:cNvSpPr>
+          <p:nvPr>
+            <p:ph type="dt" idx="1"/>
+          </p:nvPr>
+        </p:nvSpPr>
+        <p:spPr>
+          <a:xfrm>
+            <a:off x="3884613" y="0"/>
+            <a:ext cx="2971800" cy="458788"/>
+          </a:xfrm>
+          <a:prstGeom prst="rect">
+            <a:avLst/>
+          </a:prstGeom>
+        </p:spPr>
+        <p:txBody>
+          <a:bodyPr vert="horz" lIns="91440" tIns="45720" rIns="91440" bIns="45720" rtlCol="0"/>
+          <a:lstStyle>
+            <a:lvl1pPr algn="r">
+              <a:defRPr sz="1200"/>
+            </a:lvl1pPr>
+          </a:lstStyle>
+          <a:p>
+            <a:fld id="{08079D9A-A40C-46CD-B4EF-493AF4AAE8C9}" type="datetimeFigureOut">
+              <a:rPr lang="en-US" smtClean="0"/>
+              <a:t>9/23/2025</a:t>
+            </a:fld>
+            <a:endParaRPr lang="en-US"/>
+          </a:p>
+        </p:txBody>
+      </p:sp>
+      <p:sp>
+        <p:nvSpPr>
+          <p:cNvPr id="4" name="Slide Image Placeholder 3"/>
+          <p:cNvSpPr>
+            <a:spLocks noGrp="1" noRot="1" noChangeAspect="1"/>
+          </p:cNvSpPr>
+          <p:nvPr>
+            <p:ph type="sldImg" idx="2"/>
+          </p:nvPr>
+        </p:nvSpPr>
+        <p:spPr>
+          <a:xfrm>
+            <a:off x="685800" y="1143000"/>
+            <a:ext cx="5486400" cy="3086100"/>
+          </a:xfrm>
+          <a:prstGeom prst="rect">
+            <a:avLst/>
+          </a:prstGeom>
+          <a:noFill/>
+          <a:ln w="12700">
+            <a:solidFill>
+              <a:prstClr val="black"/>
+            </a:solidFill>
+          </a:ln>
+        </p:spPr>
+        <p:txBody>
+          <a:bodyPr vert="horz" lIns="91440" tIns="45720" rIns="91440" bIns="45720" rtlCol="0" anchor="ctr"/>
+          <a:lstStyle/>
+          <a:p>
+            <a:endParaRPr lang="en-US"/>
+          </a:p>
+        </p:txBody>
+      </p:sp>
+      <p:sp>
+        <p:nvSpPr>
+          <p:cNvPr id="5" name="Notes Placeholder 4"/>
+          <p:cNvSpPr>
+            <a:spLocks noGrp="1"/>
+          </p:cNvSpPr>
+          <p:nvPr>
+            <p:ph type="body" sz="quarter" idx="3"/>
+          </p:nvPr>
+        </p:nvSpPr>
+        <p:spPr>
+          <a:xfrm>
+            <a:off x="685800" y="4400550"/>
+            <a:ext cx="5486400" cy="3600450"/>
+          </a:xfrm>
+          <a:prstGeom prst="rect">
+            <a:avLst/>
+          </a:prstGeom>
+        </p:spPr>
+        <p:txBody>
+          <a:bodyPr vert="horz" lIns="91440" tIns="45720" rIns="91440" bIns="45720" rtlCol="0"/>
+          <a:lstStyle/>
+          <a:p>
+            <a:pPr lvl="0"/>
+            <a:r>
+              <a:rPr lang="en-US"/>
+              <a:t>Click to edit Master text styles</a:t>
+            </a:r>
+          </a:p>
+          <a:p>
+            <a:pPr lvl="1"/>
+            <a:r>
+              <a:rPr lang="en-US"/>
+              <a:t>Second level</a:t>
+            </a:r>
+          </a:p>
+          <a:p>
+            <a:pPr lvl="2"/>
+            <a:r>
+              <a:rPr lang="en-US"/>
+              <a:t>Third level</a:t>
+            </a:r>
+          </a:p>
+          <a:p>
+            <a:pPr lvl="3"/>
+            <a:r>
+              <a:rPr lang="en-US"/>
+              <a:t>Fourth level</a:t>
+            </a:r>
+          </a:p>
+          <a:p>
+            <a:pPr lvl="4"/>
+            <a:r>
+              <a:rPr lang="en-US"/>
+              <a:t>Fifth level</a:t>
+            </a:r>
+          </a:p>
+        </p:txBody>
+      </p:sp>
+      <p:sp>
+        <p:nvSpPr>
+          <p:cNvPr id="6" name="Footer Placeholder 5"/>
+          <p:cNvSpPr>
+            <a:spLocks noGrp="1"/>
+          </p:cNvSpPr>
+          <p:nvPr>
+            <p:ph type="ftr" sz="quarter" idx="4"/>
+          </p:nvPr>
+        </p:nvSpPr>
+        <p:spPr>
+          <a:xfrm>
+            <a:off x="0" y="8685213"/>
+            <a:ext cx="2971800" cy="458787"/>
+          </a:xfrm>
+          <a:prstGeom prst="rect">
+            <a:avLst/>
+          </a:prstGeom>
+        </p:spPr>
+        <p:txBody>
+          <a:bodyPr vert="horz" lIns="91440" tIns="45720" rIns="91440" bIns="45720" rtlCol="0" anchor="b"/>
+          <a:lstStyle>
+            <a:lvl1pPr algn="l">
+              <a:defRPr sz="1200"/>
+            </a:lvl1pPr>
+          </a:lstStyle>
+          <a:p>
+            <a:endParaRPr lang="en-US"/>
+          </a:p>
+        </p:txBody>
+      </p:sp>
+      <p:sp>
+        <p:nvSpPr>
+          <p:cNvPr id="7" name="Slide Number Placeholder 6"/>
+          <p:cNvSpPr>
+            <a:spLocks noGrp="1"/>
+          </p:cNvSpPr>
+          <p:nvPr>
+            <p:ph type="sldNum" sz="quarter" idx="5"/>
+          </p:nvPr>
+        </p:nvSpPr>
+        <p:spPr>
+          <a:xfrm>
+            <a:off x="3884613" y="8685213"/>
+            <a:ext cx="2971800" cy="458787"/>
+          </a:xfrm>
+          <a:prstGeom prst="rect">
+            <a:avLst/>
+          </a:prstGeom>
+        </p:spPr>
+        <p:txBody>
+          <a:bodyPr vert="horz" lIns="91440" tIns="45720" rIns="91440" bIns="45720" rtlCol="0" anchor="b"/>
+          <a:lstStyle>
+            <a:lvl1pPr algn="r">
+              <a:defRPr sz="1200"/>
+            </a:lvl1pPr>
+          </a:lstStyle>
+          <a:p>
+            <a:fld id="{E0761918-F32D-4651-9EEF-E560F1BF3F48}" type="slidenum">
+              <a:rPr lang="en-US" smtClean="0"/>
+              <a:t>‹#›</a:t>
+            </a:fld>
+            <a:endParaRPr lang="en-US"/>
+          </a:p>
+        </p:txBody>
+      </p:sp>
+    </p:spTree>
+    <p:extLst>
+      <p:ext uri="{BB962C8B-B14F-4D97-AF65-F5344CB8AC3E}">
+        <p14:creationId xmlns:p14="http://schemas.microsoft.com/office/powerpoint/2010/main" val="2637903595"/>
+      </p:ext>
+    </p:extLst>
+  </p:cSld>
+  <p:clrMap bg1="lt1" tx1="dk1" bg2="lt2" tx2="dk2" accent1="accent1" accent2="accent2" accent3="accent3" accent4="accent4" accent5="accent5" accent6="accent6" hlink="hlink" folHlink="folHlink"/>
+  <p:notesStyle>
+    <a:lvl1pPr marL="0" algn="l" defTabSz="914400" rtl="0" eaLnBrk="1" latinLnBrk="0" hangingPunct="1">
+      <a:defRPr sz="1200" kern="1200">
+        <a:solidFill>
+          <a:schemeClr val="tx1"/>
+        </a:solidFill>
+        <a:latin typeface="+mn-lt"/>
+        <a:ea typeface="+mn-ea"/>
+        <a:cs typeface="+mn-cs"/>
+      </a:defRPr>
+    </a:lvl1pPr>
+    <a:lvl2pPr marL="457200" algn="l" defTabSz="914400" rtl="0" eaLnBrk="1" latinLnBrk="0" hangingPunct="1">
+      <a:defRPr sz="1200" kern="1200">
+        <a:solidFill>
+          <a:schemeClr val="tx1"/>
+        </a:solidFill>
+        <a:latin typeface="+mn-lt"/>
+        <a:ea typeface="+mn-ea"/>
+        <a:cs typeface="+mn-cs"/>
+      </a:defRPr>
+    </a:lvl2pPr>
+    <a:lvl3pPr marL="914400" algn="l" defTabSz="914400" rtl="0" eaLnBrk="1" latinLnBrk="0" hangingPunct="1">
+      <a:defRPr sz="1200" kern="1200">
+        <a:solidFill>
+          <a:schemeClr val="tx1"/>
+        </a:solidFill>
+        <a:latin typeface="+mn-lt"/>
+        <a:ea typeface="+mn-ea"/>
+        <a:cs typeface="+mn-cs"/>
+      </a:defRPr>
+    </a:lvl3pPr>
+    <a:lvl4pPr marL="1371600" algn="l" defTabSz="914400" rtl="0" eaLnBrk="1" latinLnBrk="0" hangingPunct="1">
+      <a:defRPr sz="1200" kern="1200">
+        <a:solidFill>
+          <a:schemeClr val="tx1"/>
+        </a:solidFill>
+        <a:latin typeface="+mn-lt"/>
+        <a:ea typeface="+mn-ea"/>
+        <a:cs typeface="+mn-cs"/>
+      </a:defRPr>
+    </a:lvl4pPr>
+    <a:lvl5pPr marL="1828800" algn="l" defTabSz="914400" rtl="0" eaLnBrk="1" latinLnBrk="0" hangingPunct="1">
+      <a:defRPr sz="1200" kern="1200">
+        <a:solidFill>
+          <a:schemeClr val="tx1"/>
+        </a:solidFill>
+        <a:latin typeface="+mn-lt"/>
+        <a:ea typeface="+mn-ea"/>
+        <a:cs typeface="+mn-cs"/>
+      </a:defRPr>
+    </a:lvl5pPr>
+    <a:lvl6pPr marL="2286000" algn="l" defTabSz="914400" rtl="0" eaLnBrk="1" latinLnBrk="0" hangingPunct="1">
+      <a:defRPr sz="1200" kern="1200">
+        <a:solidFill>
+          <a:schemeClr val="tx1"/>
+        </a:solidFill>
+        <a:latin typeface="+mn-lt"/>
+        <a:ea typeface="+mn-ea"/>
+        <a:cs typeface="+mn-cs"/>
+      </a:defRPr>
+    </a:lvl6pPr>
+    <a:lvl7pPr marL="2743200" algn="l" defTabSz="914400" rtl="0" eaLnBrk="1" latinLnBrk="0" hangingPunct="1">
+      <a:defRPr sz="1200" kern="1200">
+        <a:solidFill>
+          <a:schemeClr val="tx1"/>
+        </a:solidFill>
+        <a:latin typeface="+mn-lt"/>
+        <a:ea typeface="+mn-ea"/>
+        <a:cs typeface="+mn-cs"/>
+      </a:defRPr>
+    </a:lvl7pPr>
+    <a:lvl8pPr marL="3200400" algn="l" defTabSz="914400" rtl="0" eaLnBrk="1" latinLnBrk="0" hangingPunct="1">
+      <a:defRPr sz="1200" kern="1200">
+        <a:solidFill>
+          <a:schemeClr val="tx1"/>
+        </a:solidFill>
+        <a:latin typeface="+mn-lt"/>
+        <a:ea typeface="+mn-ea"/>
+        <a:cs typeface="+mn-cs"/>
+      </a:defRPr>
+    </a:lvl8pPr>
+    <a:lvl9pPr marL="3657600" algn="l" defTabSz="914400" rtl="0" eaLnBrk="1" latinLnBrk="0" hangingPunct="1">
+      <a:defRPr sz="1200" kern="1200">
+        <a:solidFill>
+          <a:schemeClr val="tx1"/>
+        </a:solidFill>
+        <a:latin typeface="+mn-lt"/>
+        <a:ea typeface="+mn-ea"/>
+        <a:cs typeface="+mn-cs"/>
+      </a:defRPr>
+    </a:lvl9pPr>
+  </p:notesStyle>
+</p:notesMaster>
+</file>
+
+<file path=ppt/notesSlides/notesSlide1.xml><?xml version="1.0" encoding="utf-8"?>
+<p:notes xmlns:a="http://schemas.openxmlformats.org/drawingml/2006/main" xmlns:r="http://schemas.openxmlformats.org/officeDocument/2006/relationships" xmlns:p="http://schemas.openxmlformats.org/presentationml/2006/main">
+  <p:cSld>
+    <p:spTree>
+      <p:nvGrpSpPr>
+        <p:cNvPr id="1" name="">
+          <a:extLst>
+            <a:ext uri="{FF2B5EF4-FFF2-40B4-BE49-F238E27FC236}">
+              <a16:creationId xmlns:a16="http://schemas.microsoft.com/office/drawing/2014/main" id="{BAB792D8-E493-8E0F-1862-C4583B2A698A}"/>
+            </a:ext>
+          </a:extLst>
+        </p:cNvPr>
+        <p:cNvGrpSpPr/>
+        <p:nvPr/>
+      </p:nvGrpSpPr>
+      <p:grpSpPr>
+        <a:xfrm>
+          <a:off x="0" y="0"/>
+          <a:ext cx="0" cy="0"/>
+          <a:chOff x="0" y="0"/>
+          <a:chExt cx="0" cy="0"/>
+        </a:xfrm>
+      </p:grpSpPr>
+      <p:sp>
+        <p:nvSpPr>
+          <p:cNvPr id="2" name="Slide Image Placeholder 1">
+            <a:extLst>
+              <a:ext uri="{FF2B5EF4-FFF2-40B4-BE49-F238E27FC236}">
+                <a16:creationId xmlns:a16="http://schemas.microsoft.com/office/drawing/2014/main" id="{95AECAFA-136E-1DB4-311B-B9B6766A318C}"/>
+              </a:ext>
+            </a:extLst>
+          </p:cNvPr>
+          <p:cNvSpPr>
+            <a:spLocks noGrp="1" noRot="1" noChangeAspect="1"/>
+          </p:cNvSpPr>
+          <p:nvPr>
+            <p:ph type="sldImg"/>
+          </p:nvPr>
+        </p:nvSpPr>
+        <p:spPr/>
+      </p:sp>
+      <p:sp>
+        <p:nvSpPr>
+          <p:cNvPr id="3" name="Notes Placeholder 2">
+            <a:extLst>
+              <a:ext uri="{FF2B5EF4-FFF2-40B4-BE49-F238E27FC236}">
+                <a16:creationId xmlns:a16="http://schemas.microsoft.com/office/drawing/2014/main" id="{2E010708-5787-4777-4810-0D1685AE84E0}"/>
+              </a:ext>
+            </a:extLst>
+          </p:cNvPr>
+          <p:cNvSpPr>
+            <a:spLocks noGrp="1"/>
+          </p:cNvSpPr>
+          <p:nvPr>
+            <p:ph type="body" idx="1"/>
+          </p:nvPr>
+        </p:nvSpPr>
+        <p:spPr/>
+        <p:txBody>
+          <a:bodyPr/>
+          <a:lstStyle/>
+          <a:p>
+            <a:pPr lvl="0" algn="ctr">
+              <a:buNone/>
+            </a:pPr>
+            <a:r>
+              <a:rPr lang="en-US" sz="1400" dirty="0">
+                <a:highlight>
+                  <a:srgbClr val="FFFF00"/>
+                </a:highlight>
+                <a:latin typeface="Times New Roman" panose="02020603050405020304" pitchFamily="18" charset="0"/>
+                <a:cs typeface="Times New Roman" panose="02020603050405020304" pitchFamily="18" charset="0"/>
+              </a:rPr>
+              <a:t>4 sectors </a:t>
+            </a:r>
+            <a:r>
+              <a:rPr lang="en-US" sz="1400" dirty="0">
+                <a:latin typeface="Times New Roman" panose="02020603050405020304" pitchFamily="18" charset="0"/>
+                <a:cs typeface="Times New Roman" panose="02020603050405020304" pitchFamily="18" charset="0"/>
+              </a:rPr>
+              <a:t>(Lighting, Furniture, Paints, Flooring)</a:t>
+            </a:r>
+          </a:p>
+          <a:p>
+            <a:pPr lvl="0" algn="ctr">
+              <a:buNone/>
+            </a:pPr>
+            <a:r>
+              <a:rPr lang="en-US" sz="1400" dirty="0">
+                <a:highlight>
+                  <a:srgbClr val="FFFF00"/>
+                </a:highlight>
+                <a:latin typeface="Times New Roman" panose="02020603050405020304" pitchFamily="18" charset="0"/>
+                <a:cs typeface="Times New Roman" panose="02020603050405020304" pitchFamily="18" charset="0"/>
+              </a:rPr>
+              <a:t>4 Geographies </a:t>
+            </a:r>
+            <a:r>
+              <a:rPr lang="en-US" sz="1400" dirty="0">
+                <a:latin typeface="Times New Roman" panose="02020603050405020304" pitchFamily="18" charset="0"/>
+                <a:cs typeface="Times New Roman" panose="02020603050405020304" pitchFamily="18" charset="0"/>
+              </a:rPr>
+              <a:t>(USA, India, Asia, Latam)</a:t>
+            </a:r>
+          </a:p>
+          <a:p>
+            <a:pPr lvl="0" algn="ctr">
+              <a:buNone/>
+            </a:pPr>
+            <a:r>
+              <a:rPr lang="en-US" sz="1400" dirty="0">
+                <a:highlight>
+                  <a:srgbClr val="FFFF00"/>
+                </a:highlight>
+                <a:latin typeface="Times New Roman" panose="02020603050405020304" pitchFamily="18" charset="0"/>
+                <a:cs typeface="Times New Roman" panose="02020603050405020304" pitchFamily="18" charset="0"/>
+              </a:rPr>
+              <a:t>4 Metrics </a:t>
+            </a:r>
+            <a:r>
+              <a:rPr lang="en-US" sz="1400" dirty="0">
+                <a:latin typeface="Times New Roman" panose="02020603050405020304" pitchFamily="18" charset="0"/>
+                <a:cs typeface="Times New Roman" panose="02020603050405020304" pitchFamily="18" charset="0"/>
+              </a:rPr>
+              <a:t>(Revenue, Profit, Scale, Moat )</a:t>
+            </a:r>
+          </a:p>
+          <a:p>
+            <a:pPr marL="457200" lvl="1" indent="0">
+              <a:buFont typeface="Arial" panose="020B0604020202020204" pitchFamily="34" charset="0"/>
+              <a:buNone/>
+            </a:pPr>
+            <a:endParaRPr lang="en-US" sz="1600" dirty="0">
+              <a:solidFill>
+                <a:schemeClr val="accent6">
+                  <a:lumMod val="50000"/>
+                </a:schemeClr>
+              </a:solidFill>
+              <a:latin typeface="Times New Roman" panose="02020603050405020304" pitchFamily="18" charset="0"/>
+              <a:cs typeface="Times New Roman" panose="02020603050405020304" pitchFamily="18" charset="0"/>
+            </a:endParaRPr>
+          </a:p>
+          <a:p>
+            <a:endParaRPr lang="en-US" dirty="0"/>
+          </a:p>
+        </p:txBody>
+      </p:sp>
+      <p:sp>
+        <p:nvSpPr>
+          <p:cNvPr id="4" name="Slide Number Placeholder 3">
+            <a:extLst>
+              <a:ext uri="{FF2B5EF4-FFF2-40B4-BE49-F238E27FC236}">
+                <a16:creationId xmlns:a16="http://schemas.microsoft.com/office/drawing/2014/main" id="{C0C8E403-4539-9D15-22A8-5A8118595625}"/>
+              </a:ext>
+            </a:extLst>
+          </p:cNvPr>
+          <p:cNvSpPr>
+            <a:spLocks noGrp="1"/>
+          </p:cNvSpPr>
+          <p:nvPr>
+            <p:ph type="sldNum" sz="quarter" idx="5"/>
+          </p:nvPr>
+        </p:nvSpPr>
+        <p:spPr/>
+        <p:txBody>
+          <a:bodyPr/>
+          <a:lstStyle/>
+          <a:p>
+            <a:fld id="{531DFA40-59A2-4BE7-A96F-0F5A3B43A007}" type="slidenum">
+              <a:rPr lang="en-US" smtClean="0"/>
+              <a:t>9</a:t>
+            </a:fld>
+            <a:endParaRPr lang="en-US"/>
+          </a:p>
+        </p:txBody>
+      </p:sp>
+    </p:spTree>
+    <p:extLst>
+      <p:ext uri="{BB962C8B-B14F-4D97-AF65-F5344CB8AC3E}">
+        <p14:creationId xmlns:p14="http://schemas.microsoft.com/office/powerpoint/2010/main" val="48149111"/>
+      </p:ext>
+    </p:extLst>
+  </p:cSld>
+  <p:clrMapOvr>
+    <a:masterClrMapping/>
+  </p:clrMapOvr>
+</p:notes>
+</file>
+
 <file path=ppt/slideLayouts/slideLayout1.xml><?xml version="1.0" encoding="utf-8"?>
 <p:sldLayout xmlns:a="http://schemas.openxmlformats.org/drawingml/2006/main" xmlns:r="http://schemas.openxmlformats.org/officeDocument/2006/relationships" xmlns:p="http://schemas.openxmlformats.org/presentationml/2006/main" type="title" preserve="1">
   <p:cSld name="Title Slide">
@@ -35063,6 +35605,183 @@
         <p:cNvPr id="1" name="">
           <a:extLst>
             <a:ext uri="{FF2B5EF4-FFF2-40B4-BE49-F238E27FC236}">
+              <a16:creationId xmlns:a16="http://schemas.microsoft.com/office/drawing/2014/main" id="{5CD8D7DE-492B-D18A-0270-14D79795E487}"/>
+            </a:ext>
+          </a:extLst>
+        </p:cNvPr>
+        <p:cNvGrpSpPr/>
+        <p:nvPr/>
+      </p:nvGrpSpPr>
+      <p:grpSpPr>
+        <a:xfrm>
+          <a:off x="0" y="0"/>
+          <a:ext cx="0" cy="0"/>
+          <a:chOff x="0" y="0"/>
+          <a:chExt cx="0" cy="0"/>
+        </a:xfrm>
+      </p:grpSpPr>
+      <p:sp>
+        <p:nvSpPr>
+          <p:cNvPr id="3" name="Title 1">
+            <a:extLst>
+              <a:ext uri="{FF2B5EF4-FFF2-40B4-BE49-F238E27FC236}">
+                <a16:creationId xmlns:a16="http://schemas.microsoft.com/office/drawing/2014/main" id="{08E676A6-A236-AEAB-92CF-443864664E85}"/>
+              </a:ext>
+            </a:extLst>
+          </p:cNvPr>
+          <p:cNvSpPr txBox="1">
+            <a:spLocks/>
+          </p:cNvSpPr>
+          <p:nvPr/>
+        </p:nvSpPr>
+        <p:spPr>
+          <a:xfrm>
+            <a:off x="0" y="0"/>
+            <a:ext cx="12192000" cy="540000"/>
+          </a:xfrm>
+          <a:prstGeom prst="roundRect">
+            <a:avLst/>
+          </a:prstGeom>
+          <a:gradFill flip="none" rotWithShape="1">
+            <a:gsLst>
+              <a:gs pos="0">
+                <a:schemeClr val="accent6">
+                  <a:lumMod val="5000"/>
+                  <a:lumOff val="95000"/>
+                </a:schemeClr>
+              </a:gs>
+              <a:gs pos="42000">
+                <a:schemeClr val="accent6">
+                  <a:lumMod val="45000"/>
+                  <a:lumOff val="55000"/>
+                </a:schemeClr>
+              </a:gs>
+              <a:gs pos="63000">
+                <a:schemeClr val="accent6">
+                  <a:lumMod val="45000"/>
+                  <a:lumOff val="55000"/>
+                </a:schemeClr>
+              </a:gs>
+              <a:gs pos="100000">
+                <a:schemeClr val="bg1"/>
+              </a:gs>
+            </a:gsLst>
+            <a:lin ang="5400000" scaled="1"/>
+            <a:tileRect/>
+          </a:gradFill>
+          <a:ln>
+            <a:solidFill>
+              <a:schemeClr val="accent6">
+                <a:lumMod val="50000"/>
+              </a:schemeClr>
+            </a:solidFill>
+          </a:ln>
+          <a:effectLst>
+            <a:outerShdw blurRad="44450" dist="27940" dir="5400000" algn="ctr">
+              <a:srgbClr val="000000">
+                <a:alpha val="32000"/>
+              </a:srgbClr>
+            </a:outerShdw>
+          </a:effectLst>
+        </p:spPr>
+        <p:txBody>
+          <a:bodyPr vert="horz" lIns="91440" tIns="45720" rIns="91440" bIns="45720" rtlCol="0" anchor="ctr">
+            <a:normAutofit/>
+          </a:bodyPr>
+          <a:lstStyle>
+            <a:lvl1pPr algn="l" defTabSz="914400" rtl="0" eaLnBrk="1" latinLnBrk="0" hangingPunct="1">
+              <a:lnSpc>
+                <a:spcPct val="90000"/>
+              </a:lnSpc>
+              <a:spcBef>
+                <a:spcPct val="0"/>
+              </a:spcBef>
+              <a:buNone/>
+              <a:defRPr sz="4400" kern="1200">
+                <a:solidFill>
+                  <a:schemeClr val="tx1"/>
+                </a:solidFill>
+                <a:latin typeface="+mj-lt"/>
+                <a:ea typeface="+mj-ea"/>
+                <a:cs typeface="+mj-cs"/>
+              </a:defRPr>
+            </a:lvl1pPr>
+          </a:lstStyle>
+          <a:p>
+            <a:pPr algn="ctr"/>
+            <a:r>
+              <a:rPr lang="en-US" sz="2000" b="1" dirty="0">
+                <a:solidFill>
+                  <a:schemeClr val="accent6">
+                    <a:lumMod val="50000"/>
+                  </a:schemeClr>
+                </a:solidFill>
+                <a:latin typeface="Times New Roman" panose="02020603050405020304" pitchFamily="18" charset="0"/>
+                <a:cs typeface="Times New Roman" panose="02020603050405020304" pitchFamily="18" charset="0"/>
+              </a:rPr>
+              <a:t>Showroom3D – Differentiation</a:t>
+            </a:r>
+            <a:endParaRPr lang="en-IN" sz="2000" dirty="0">
+              <a:solidFill>
+                <a:schemeClr val="accent6">
+                  <a:lumMod val="50000"/>
+                </a:schemeClr>
+              </a:solidFill>
+              <a:latin typeface="Times New Roman" panose="02020603050405020304" pitchFamily="18" charset="0"/>
+              <a:cs typeface="Times New Roman" panose="02020603050405020304" pitchFamily="18" charset="0"/>
+            </a:endParaRPr>
+          </a:p>
+        </p:txBody>
+      </p:sp>
+      <p:graphicFrame>
+        <p:nvGraphicFramePr>
+          <p:cNvPr id="5" name="Diagram 4">
+            <a:extLst>
+              <a:ext uri="{FF2B5EF4-FFF2-40B4-BE49-F238E27FC236}">
+                <a16:creationId xmlns:a16="http://schemas.microsoft.com/office/drawing/2014/main" id="{637987E0-638A-25A9-D68B-7730251DED55}"/>
+              </a:ext>
+            </a:extLst>
+          </p:cNvPr>
+          <p:cNvGraphicFramePr/>
+          <p:nvPr>
+            <p:extLst>
+              <p:ext uri="{D42A27DB-BD31-4B8C-83A1-F6EECF244321}">
+                <p14:modId xmlns:p14="http://schemas.microsoft.com/office/powerpoint/2010/main" val="189074555"/>
+              </p:ext>
+            </p:extLst>
+          </p:nvPr>
+        </p:nvGraphicFramePr>
+        <p:xfrm>
+          <a:off x="3356246" y="888030"/>
+          <a:ext cx="7640410" cy="5400000"/>
+        </p:xfrm>
+        <a:graphic>
+          <a:graphicData uri="http://schemas.openxmlformats.org/drawingml/2006/diagram">
+            <dgm:relIds xmlns:dgm="http://schemas.openxmlformats.org/drawingml/2006/diagram" xmlns:r="http://schemas.openxmlformats.org/officeDocument/2006/relationships" r:dm="rId2" r:lo="rId3" r:qs="rId4" r:cs="rId5"/>
+          </a:graphicData>
+        </a:graphic>
+      </p:graphicFrame>
+    </p:spTree>
+    <p:extLst>
+      <p:ext uri="{BB962C8B-B14F-4D97-AF65-F5344CB8AC3E}">
+        <p14:creationId xmlns:p14="http://schemas.microsoft.com/office/powerpoint/2010/main" val="3873831934"/>
+      </p:ext>
+    </p:extLst>
+  </p:cSld>
+  <p:clrMapOvr>
+    <a:masterClrMapping/>
+  </p:clrMapOvr>
+</p:sld>
+</file>
+
+<file path=ppt/slides/slide11.xml><?xml version="1.0" encoding="utf-8"?>
+<p:sld xmlns:a="http://schemas.openxmlformats.org/drawingml/2006/main" xmlns:r="http://schemas.openxmlformats.org/officeDocument/2006/relationships" xmlns:p="http://schemas.openxmlformats.org/presentationml/2006/main">
+  <p:cSld>
+    <p:spTree>
+      <p:nvGrpSpPr>
+        <p:cNvPr id="1" name="">
+          <a:extLst>
+            <a:ext uri="{FF2B5EF4-FFF2-40B4-BE49-F238E27FC236}">
               <a16:creationId xmlns:a16="http://schemas.microsoft.com/office/drawing/2014/main" id="{3E437FD6-07F2-1705-6B42-37929DE409AE}"/>
             </a:ext>
           </a:extLst>
@@ -35265,7 +35984,7 @@
 </p:sld>
 </file>
 
-<file path=ppt/slides/slide11.xml><?xml version="1.0" encoding="utf-8"?>
+<file path=ppt/slides/slide12.xml><?xml version="1.0" encoding="utf-8"?>
 <p:sld xmlns:a="http://schemas.openxmlformats.org/drawingml/2006/main" xmlns:r="http://schemas.openxmlformats.org/officeDocument/2006/relationships" xmlns:p="http://schemas.openxmlformats.org/presentationml/2006/main">
   <p:cSld>
     <p:spTree>
@@ -35442,7 +36161,7 @@
 </p:sld>
 </file>
 
-<file path=ppt/slides/slide12.xml><?xml version="1.0" encoding="utf-8"?>
+<file path=ppt/slides/slide13.xml><?xml version="1.0" encoding="utf-8"?>
 <p:sld xmlns:a="http://schemas.openxmlformats.org/drawingml/2006/main" xmlns:r="http://schemas.openxmlformats.org/officeDocument/2006/relationships" xmlns:p="http://schemas.openxmlformats.org/presentationml/2006/main">
   <p:cSld>
     <p:spTree>
@@ -35619,7 +36338,7 @@
 </p:sld>
 </file>
 
-<file path=ppt/slides/slide13.xml><?xml version="1.0" encoding="utf-8"?>
+<file path=ppt/slides/slide14.xml><?xml version="1.0" encoding="utf-8"?>
 <p:sld xmlns:a="http://schemas.openxmlformats.org/drawingml/2006/main" xmlns:r="http://schemas.openxmlformats.org/officeDocument/2006/relationships" xmlns:p="http://schemas.openxmlformats.org/presentationml/2006/main">
   <p:cSld>
     <p:spTree>
@@ -35796,7 +36515,7 @@
 </p:sld>
 </file>
 
-<file path=ppt/slides/slide14.xml><?xml version="1.0" encoding="utf-8"?>
+<file path=ppt/slides/slide15.xml><?xml version="1.0" encoding="utf-8"?>
 <p:sld xmlns:a="http://schemas.openxmlformats.org/drawingml/2006/main" xmlns:r="http://schemas.openxmlformats.org/officeDocument/2006/relationships" xmlns:p="http://schemas.openxmlformats.org/presentationml/2006/main">
   <p:cSld>
     <p:spTree>
@@ -37765,7 +38484,7 @@
         <p:cNvPr id="1" name="">
           <a:extLst>
             <a:ext uri="{FF2B5EF4-FFF2-40B4-BE49-F238E27FC236}">
-              <a16:creationId xmlns:a16="http://schemas.microsoft.com/office/drawing/2014/main" id="{5CD8D7DE-492B-D18A-0270-14D79795E487}"/>
+              <a16:creationId xmlns:a16="http://schemas.microsoft.com/office/drawing/2014/main" id="{C0D4219D-C7CD-485F-373A-9C7A56616091}"/>
             </a:ext>
           </a:extLst>
         </p:cNvPr>
@@ -37782,155 +38501,2539 @@
       </p:grpSpPr>
       <p:sp>
         <p:nvSpPr>
-          <p:cNvPr id="3" name="Title 1">
+          <p:cNvPr id="6" name="Rectangle 5">
             <a:extLst>
               <a:ext uri="{FF2B5EF4-FFF2-40B4-BE49-F238E27FC236}">
-                <a16:creationId xmlns:a16="http://schemas.microsoft.com/office/drawing/2014/main" id="{08E676A6-A236-AEAB-92CF-443864664E85}"/>
+                <a16:creationId xmlns:a16="http://schemas.microsoft.com/office/drawing/2014/main" id="{638DCE49-0C91-F3C7-08C8-DD32ED4D522F}"/>
               </a:ext>
             </a:extLst>
           </p:cNvPr>
-          <p:cNvSpPr txBox="1">
-            <a:spLocks/>
-          </p:cNvSpPr>
+          <p:cNvSpPr/>
           <p:nvPr/>
         </p:nvSpPr>
         <p:spPr>
           <a:xfrm>
-            <a:off x="0" y="0"/>
-            <a:ext cx="12192000" cy="540000"/>
+            <a:off x="1200727" y="728999"/>
+            <a:ext cx="10483274" cy="5847291"/>
           </a:xfrm>
-          <a:prstGeom prst="roundRect">
+          <a:prstGeom prst="rect">
             <a:avLst/>
           </a:prstGeom>
-          <a:gradFill flip="none" rotWithShape="1">
-            <a:gsLst>
-              <a:gs pos="0">
-                <a:schemeClr val="accent6">
-                  <a:lumMod val="5000"/>
-                  <a:lumOff val="95000"/>
-                </a:schemeClr>
-              </a:gs>
-              <a:gs pos="42000">
-                <a:schemeClr val="accent6">
-                  <a:lumMod val="45000"/>
-                  <a:lumOff val="55000"/>
-                </a:schemeClr>
-              </a:gs>
-              <a:gs pos="63000">
-                <a:schemeClr val="accent6">
-                  <a:lumMod val="45000"/>
-                  <a:lumOff val="55000"/>
-                </a:schemeClr>
-              </a:gs>
-              <a:gs pos="100000">
-                <a:schemeClr val="bg1"/>
-              </a:gs>
-            </a:gsLst>
-            <a:lin ang="5400000" scaled="1"/>
-            <a:tileRect/>
-          </a:gradFill>
+          <a:noFill/>
           <a:ln>
-            <a:solidFill>
-              <a:schemeClr val="accent6">
-                <a:lumMod val="50000"/>
-              </a:schemeClr>
-            </a:solidFill>
+            <a:noFill/>
           </a:ln>
-          <a:effectLst>
-            <a:outerShdw blurRad="44450" dist="27940" dir="5400000" algn="ctr">
-              <a:srgbClr val="000000">
-                <a:alpha val="32000"/>
-              </a:srgbClr>
-            </a:outerShdw>
-          </a:effectLst>
         </p:spPr>
         <p:txBody>
-          <a:bodyPr vert="horz" lIns="91440" tIns="45720" rIns="91440" bIns="45720" rtlCol="0" anchor="ctr">
-            <a:normAutofit/>
-          </a:bodyPr>
-          <a:lstStyle>
-            <a:lvl1pPr algn="l" defTabSz="914400" rtl="0" eaLnBrk="1" latinLnBrk="0" hangingPunct="1">
-              <a:lnSpc>
-                <a:spcPct val="90000"/>
-              </a:lnSpc>
-              <a:spcBef>
-                <a:spcPct val="0"/>
-              </a:spcBef>
-              <a:buNone/>
-              <a:defRPr sz="4400" kern="1200">
-                <a:solidFill>
-                  <a:schemeClr val="tx1"/>
-                </a:solidFill>
-                <a:latin typeface="+mj-lt"/>
-                <a:ea typeface="+mj-ea"/>
-                <a:cs typeface="+mj-cs"/>
-              </a:defRPr>
-            </a:lvl1pPr>
-          </a:lstStyle>
+          <a:bodyPr/>
+          <a:lstStyle/>
           <a:p>
-            <a:pPr algn="ctr"/>
-            <a:r>
-              <a:rPr lang="en-US" sz="2000" b="1" dirty="0">
+            <a:endParaRPr lang="en-US"/>
+          </a:p>
+        </p:txBody>
+      </p:sp>
+      <p:grpSp>
+        <p:nvGrpSpPr>
+          <p:cNvPr id="17" name="Group 16">
+            <a:extLst>
+              <a:ext uri="{FF2B5EF4-FFF2-40B4-BE49-F238E27FC236}">
+                <a16:creationId xmlns:a16="http://schemas.microsoft.com/office/drawing/2014/main" id="{C9133508-BF3B-117E-A287-DEB2C1954600}"/>
+              </a:ext>
+            </a:extLst>
+          </p:cNvPr>
+          <p:cNvGrpSpPr/>
+          <p:nvPr/>
+        </p:nvGrpSpPr>
+        <p:grpSpPr>
+          <a:xfrm>
+            <a:off x="5104369" y="2564203"/>
+            <a:ext cx="5557365" cy="4116492"/>
+            <a:chOff x="4774829" y="2864363"/>
+            <a:chExt cx="5557365" cy="4116492"/>
+          </a:xfrm>
+        </p:grpSpPr>
+        <p:sp>
+          <p:nvSpPr>
+            <p:cNvPr id="8" name="Freeform: Shape 7">
+              <a:extLst>
+                <a:ext uri="{FF2B5EF4-FFF2-40B4-BE49-F238E27FC236}">
+                  <a16:creationId xmlns:a16="http://schemas.microsoft.com/office/drawing/2014/main" id="{B8973BF6-90A5-82CA-BCE5-CA139F9E9F18}"/>
+                </a:ext>
+              </a:extLst>
+            </p:cNvPr>
+            <p:cNvSpPr/>
+            <p:nvPr/>
+          </p:nvSpPr>
+          <p:spPr>
+            <a:xfrm>
+              <a:off x="6444436" y="3360279"/>
+              <a:ext cx="3216010" cy="3216010"/>
+            </a:xfrm>
+            <a:custGeom>
+              <a:avLst/>
+              <a:gdLst>
+                <a:gd name="connsiteX0" fmla="*/ 2282738 w 3216010"/>
+                <a:gd name="connsiteY0" fmla="*/ 512756 h 3216010"/>
+                <a:gd name="connsiteX1" fmla="*/ 2532892 w 3216010"/>
+                <a:gd name="connsiteY1" fmla="*/ 302840 h 3216010"/>
+                <a:gd name="connsiteX2" fmla="*/ 2732737 w 3216010"/>
+                <a:gd name="connsiteY2" fmla="*/ 470529 h 3216010"/>
+                <a:gd name="connsiteX3" fmla="*/ 2569449 w 3216010"/>
+                <a:gd name="connsiteY3" fmla="*/ 753335 h 3216010"/>
+                <a:gd name="connsiteX4" fmla="*/ 2828893 w 3216010"/>
+                <a:gd name="connsiteY4" fmla="*/ 1202705 h 3216010"/>
+                <a:gd name="connsiteX5" fmla="*/ 3155454 w 3216010"/>
+                <a:gd name="connsiteY5" fmla="*/ 1202697 h 3216010"/>
+                <a:gd name="connsiteX6" fmla="*/ 3200755 w 3216010"/>
+                <a:gd name="connsiteY6" fmla="*/ 1459612 h 3216010"/>
+                <a:gd name="connsiteX7" fmla="*/ 2893885 w 3216010"/>
+                <a:gd name="connsiteY7" fmla="*/ 1571294 h 3216010"/>
+                <a:gd name="connsiteX8" fmla="*/ 2803781 w 3216010"/>
+                <a:gd name="connsiteY8" fmla="*/ 2082299 h 3216010"/>
+                <a:gd name="connsiteX9" fmla="*/ 3053947 w 3216010"/>
+                <a:gd name="connsiteY9" fmla="*/ 2292202 h 3216010"/>
+                <a:gd name="connsiteX10" fmla="*/ 2923507 w 3216010"/>
+                <a:gd name="connsiteY10" fmla="*/ 2518129 h 3216010"/>
+                <a:gd name="connsiteX11" fmla="*/ 2616644 w 3216010"/>
+                <a:gd name="connsiteY11" fmla="*/ 2406431 h 3216010"/>
+                <a:gd name="connsiteX12" fmla="*/ 2219153 w 3216010"/>
+                <a:gd name="connsiteY12" fmla="*/ 2739966 h 3216010"/>
+                <a:gd name="connsiteX13" fmla="*/ 2275867 w 3216010"/>
+                <a:gd name="connsiteY13" fmla="*/ 3061563 h 3216010"/>
+                <a:gd name="connsiteX14" fmla="*/ 2030722 w 3216010"/>
+                <a:gd name="connsiteY14" fmla="*/ 3150789 h 3216010"/>
+                <a:gd name="connsiteX15" fmla="*/ 1867449 w 3216010"/>
+                <a:gd name="connsiteY15" fmla="*/ 2867975 h 3216010"/>
+                <a:gd name="connsiteX16" fmla="*/ 1348561 w 3216010"/>
+                <a:gd name="connsiteY16" fmla="*/ 2867975 h 3216010"/>
+                <a:gd name="connsiteX17" fmla="*/ 1185288 w 3216010"/>
+                <a:gd name="connsiteY17" fmla="*/ 3150789 h 3216010"/>
+                <a:gd name="connsiteX18" fmla="*/ 940143 w 3216010"/>
+                <a:gd name="connsiteY18" fmla="*/ 3061563 h 3216010"/>
+                <a:gd name="connsiteX19" fmla="*/ 996858 w 3216010"/>
+                <a:gd name="connsiteY19" fmla="*/ 2739965 h 3216010"/>
+                <a:gd name="connsiteX20" fmla="*/ 599367 w 3216010"/>
+                <a:gd name="connsiteY20" fmla="*/ 2406430 h 3216010"/>
+                <a:gd name="connsiteX21" fmla="*/ 292503 w 3216010"/>
+                <a:gd name="connsiteY21" fmla="*/ 2518129 h 3216010"/>
+                <a:gd name="connsiteX22" fmla="*/ 162063 w 3216010"/>
+                <a:gd name="connsiteY22" fmla="*/ 2292202 h 3216010"/>
+                <a:gd name="connsiteX23" fmla="*/ 412229 w 3216010"/>
+                <a:gd name="connsiteY23" fmla="*/ 2082299 h 3216010"/>
+                <a:gd name="connsiteX24" fmla="*/ 322125 w 3216010"/>
+                <a:gd name="connsiteY24" fmla="*/ 1571294 h 3216010"/>
+                <a:gd name="connsiteX25" fmla="*/ 15255 w 3216010"/>
+                <a:gd name="connsiteY25" fmla="*/ 1459612 h 3216010"/>
+                <a:gd name="connsiteX26" fmla="*/ 60556 w 3216010"/>
+                <a:gd name="connsiteY26" fmla="*/ 1202697 h 3216010"/>
+                <a:gd name="connsiteX27" fmla="*/ 387117 w 3216010"/>
+                <a:gd name="connsiteY27" fmla="*/ 1202705 h 3216010"/>
+                <a:gd name="connsiteX28" fmla="*/ 646561 w 3216010"/>
+                <a:gd name="connsiteY28" fmla="*/ 753335 h 3216010"/>
+                <a:gd name="connsiteX29" fmla="*/ 483273 w 3216010"/>
+                <a:gd name="connsiteY29" fmla="*/ 470529 h 3216010"/>
+                <a:gd name="connsiteX30" fmla="*/ 683118 w 3216010"/>
+                <a:gd name="connsiteY30" fmla="*/ 302840 h 3216010"/>
+                <a:gd name="connsiteX31" fmla="*/ 933272 w 3216010"/>
+                <a:gd name="connsiteY31" fmla="*/ 512756 h 3216010"/>
+                <a:gd name="connsiteX32" fmla="*/ 1420867 w 3216010"/>
+                <a:gd name="connsiteY32" fmla="*/ 335286 h 3216010"/>
+                <a:gd name="connsiteX33" fmla="*/ 1477566 w 3216010"/>
+                <a:gd name="connsiteY33" fmla="*/ 13685 h 3216010"/>
+                <a:gd name="connsiteX34" fmla="*/ 1738444 w 3216010"/>
+                <a:gd name="connsiteY34" fmla="*/ 13685 h 3216010"/>
+                <a:gd name="connsiteX35" fmla="*/ 1795142 w 3216010"/>
+                <a:gd name="connsiteY35" fmla="*/ 335286 h 3216010"/>
+                <a:gd name="connsiteX36" fmla="*/ 2282737 w 3216010"/>
+                <a:gd name="connsiteY36" fmla="*/ 512756 h 3216010"/>
+                <a:gd name="connsiteX37" fmla="*/ 2282738 w 3216010"/>
+                <a:gd name="connsiteY37" fmla="*/ 512756 h 3216010"/>
+              </a:gdLst>
+              <a:ahLst/>
+              <a:cxnLst>
+                <a:cxn ang="0">
+                  <a:pos x="connsiteX0" y="connsiteY0"/>
+                </a:cxn>
+                <a:cxn ang="0">
+                  <a:pos x="connsiteX1" y="connsiteY1"/>
+                </a:cxn>
+                <a:cxn ang="0">
+                  <a:pos x="connsiteX2" y="connsiteY2"/>
+                </a:cxn>
+                <a:cxn ang="0">
+                  <a:pos x="connsiteX3" y="connsiteY3"/>
+                </a:cxn>
+                <a:cxn ang="0">
+                  <a:pos x="connsiteX4" y="connsiteY4"/>
+                </a:cxn>
+                <a:cxn ang="0">
+                  <a:pos x="connsiteX5" y="connsiteY5"/>
+                </a:cxn>
+                <a:cxn ang="0">
+                  <a:pos x="connsiteX6" y="connsiteY6"/>
+                </a:cxn>
+                <a:cxn ang="0">
+                  <a:pos x="connsiteX7" y="connsiteY7"/>
+                </a:cxn>
+                <a:cxn ang="0">
+                  <a:pos x="connsiteX8" y="connsiteY8"/>
+                </a:cxn>
+                <a:cxn ang="0">
+                  <a:pos x="connsiteX9" y="connsiteY9"/>
+                </a:cxn>
+                <a:cxn ang="0">
+                  <a:pos x="connsiteX10" y="connsiteY10"/>
+                </a:cxn>
+                <a:cxn ang="0">
+                  <a:pos x="connsiteX11" y="connsiteY11"/>
+                </a:cxn>
+                <a:cxn ang="0">
+                  <a:pos x="connsiteX12" y="connsiteY12"/>
+                </a:cxn>
+                <a:cxn ang="0">
+                  <a:pos x="connsiteX13" y="connsiteY13"/>
+                </a:cxn>
+                <a:cxn ang="0">
+                  <a:pos x="connsiteX14" y="connsiteY14"/>
+                </a:cxn>
+                <a:cxn ang="0">
+                  <a:pos x="connsiteX15" y="connsiteY15"/>
+                </a:cxn>
+                <a:cxn ang="0">
+                  <a:pos x="connsiteX16" y="connsiteY16"/>
+                </a:cxn>
+                <a:cxn ang="0">
+                  <a:pos x="connsiteX17" y="connsiteY17"/>
+                </a:cxn>
+                <a:cxn ang="0">
+                  <a:pos x="connsiteX18" y="connsiteY18"/>
+                </a:cxn>
+                <a:cxn ang="0">
+                  <a:pos x="connsiteX19" y="connsiteY19"/>
+                </a:cxn>
+                <a:cxn ang="0">
+                  <a:pos x="connsiteX20" y="connsiteY20"/>
+                </a:cxn>
+                <a:cxn ang="0">
+                  <a:pos x="connsiteX21" y="connsiteY21"/>
+                </a:cxn>
+                <a:cxn ang="0">
+                  <a:pos x="connsiteX22" y="connsiteY22"/>
+                </a:cxn>
+                <a:cxn ang="0">
+                  <a:pos x="connsiteX23" y="connsiteY23"/>
+                </a:cxn>
+                <a:cxn ang="0">
+                  <a:pos x="connsiteX24" y="connsiteY24"/>
+                </a:cxn>
+                <a:cxn ang="0">
+                  <a:pos x="connsiteX25" y="connsiteY25"/>
+                </a:cxn>
+                <a:cxn ang="0">
+                  <a:pos x="connsiteX26" y="connsiteY26"/>
+                </a:cxn>
+                <a:cxn ang="0">
+                  <a:pos x="connsiteX27" y="connsiteY27"/>
+                </a:cxn>
+                <a:cxn ang="0">
+                  <a:pos x="connsiteX28" y="connsiteY28"/>
+                </a:cxn>
+                <a:cxn ang="0">
+                  <a:pos x="connsiteX29" y="connsiteY29"/>
+                </a:cxn>
+                <a:cxn ang="0">
+                  <a:pos x="connsiteX30" y="connsiteY30"/>
+                </a:cxn>
+                <a:cxn ang="0">
+                  <a:pos x="connsiteX31" y="connsiteY31"/>
+                </a:cxn>
+                <a:cxn ang="0">
+                  <a:pos x="connsiteX32" y="connsiteY32"/>
+                </a:cxn>
+                <a:cxn ang="0">
+                  <a:pos x="connsiteX33" y="connsiteY33"/>
+                </a:cxn>
+                <a:cxn ang="0">
+                  <a:pos x="connsiteX34" y="connsiteY34"/>
+                </a:cxn>
+                <a:cxn ang="0">
+                  <a:pos x="connsiteX35" y="connsiteY35"/>
+                </a:cxn>
+                <a:cxn ang="0">
+                  <a:pos x="connsiteX36" y="connsiteY36"/>
+                </a:cxn>
+                <a:cxn ang="0">
+                  <a:pos x="connsiteX37" y="connsiteY37"/>
+                </a:cxn>
+              </a:cxnLst>
+              <a:rect l="l" t="t" r="r" b="b"/>
+              <a:pathLst>
+                <a:path w="3216010" h="3216010">
+                  <a:moveTo>
+                    <a:pt x="2282738" y="512756"/>
+                  </a:moveTo>
+                  <a:lnTo>
+                    <a:pt x="2532892" y="302840"/>
+                  </a:lnTo>
+                  <a:lnTo>
+                    <a:pt x="2732737" y="470529"/>
+                  </a:lnTo>
+                  <a:lnTo>
+                    <a:pt x="2569449" y="753335"/>
+                  </a:lnTo>
+                  <a:cubicBezTo>
+                    <a:pt x="2685556" y="883947"/>
+                    <a:pt x="2773833" y="1036847"/>
+                    <a:pt x="2828893" y="1202705"/>
+                  </a:cubicBezTo>
+                  <a:lnTo>
+                    <a:pt x="3155454" y="1202697"/>
+                  </a:lnTo>
+                  <a:lnTo>
+                    <a:pt x="3200755" y="1459612"/>
+                  </a:lnTo>
+                  <a:lnTo>
+                    <a:pt x="2893885" y="1571294"/>
+                  </a:lnTo>
+                  <a:cubicBezTo>
+                    <a:pt x="2898872" y="1745981"/>
+                    <a:pt x="2868214" y="1919852"/>
+                    <a:pt x="2803781" y="2082299"/>
+                  </a:cubicBezTo>
+                  <a:lnTo>
+                    <a:pt x="3053947" y="2292202"/>
+                  </a:lnTo>
+                  <a:lnTo>
+                    <a:pt x="2923507" y="2518129"/>
+                  </a:lnTo>
+                  <a:lnTo>
+                    <a:pt x="2616644" y="2406431"/>
+                  </a:lnTo>
+                  <a:cubicBezTo>
+                    <a:pt x="2508178" y="2543455"/>
+                    <a:pt x="2372930" y="2656941"/>
+                    <a:pt x="2219153" y="2739966"/>
+                  </a:cubicBezTo>
+                  <a:lnTo>
+                    <a:pt x="2275867" y="3061563"/>
+                  </a:lnTo>
+                  <a:lnTo>
+                    <a:pt x="2030722" y="3150789"/>
+                  </a:lnTo>
+                  <a:lnTo>
+                    <a:pt x="1867449" y="2867975"/>
+                  </a:lnTo>
+                  <a:cubicBezTo>
+                    <a:pt x="1696282" y="2903221"/>
+                    <a:pt x="1519728" y="2903221"/>
+                    <a:pt x="1348561" y="2867975"/>
+                  </a:cubicBezTo>
+                  <a:lnTo>
+                    <a:pt x="1185288" y="3150789"/>
+                  </a:lnTo>
+                  <a:lnTo>
+                    <a:pt x="940143" y="3061563"/>
+                  </a:lnTo>
+                  <a:lnTo>
+                    <a:pt x="996858" y="2739965"/>
+                  </a:lnTo>
+                  <a:cubicBezTo>
+                    <a:pt x="843081" y="2656941"/>
+                    <a:pt x="707833" y="2543454"/>
+                    <a:pt x="599367" y="2406430"/>
+                  </a:cubicBezTo>
+                  <a:lnTo>
+                    <a:pt x="292503" y="2518129"/>
+                  </a:lnTo>
+                  <a:lnTo>
+                    <a:pt x="162063" y="2292202"/>
+                  </a:lnTo>
+                  <a:lnTo>
+                    <a:pt x="412229" y="2082299"/>
+                  </a:lnTo>
+                  <a:cubicBezTo>
+                    <a:pt x="347796" y="1919853"/>
+                    <a:pt x="317138" y="1745981"/>
+                    <a:pt x="322125" y="1571294"/>
+                  </a:cubicBezTo>
+                  <a:lnTo>
+                    <a:pt x="15255" y="1459612"/>
+                  </a:lnTo>
+                  <a:lnTo>
+                    <a:pt x="60556" y="1202697"/>
+                  </a:lnTo>
+                  <a:lnTo>
+                    <a:pt x="387117" y="1202705"/>
+                  </a:lnTo>
+                  <a:cubicBezTo>
+                    <a:pt x="442177" y="1036847"/>
+                    <a:pt x="530454" y="883947"/>
+                    <a:pt x="646561" y="753335"/>
+                  </a:cubicBezTo>
+                  <a:lnTo>
+                    <a:pt x="483273" y="470529"/>
+                  </a:lnTo>
+                  <a:lnTo>
+                    <a:pt x="683118" y="302840"/>
+                  </a:lnTo>
+                  <a:lnTo>
+                    <a:pt x="933272" y="512756"/>
+                  </a:lnTo>
+                  <a:cubicBezTo>
+                    <a:pt x="1082062" y="421093"/>
+                    <a:pt x="1247968" y="360709"/>
+                    <a:pt x="1420867" y="335286"/>
+                  </a:cubicBezTo>
+                  <a:lnTo>
+                    <a:pt x="1477566" y="13685"/>
+                  </a:lnTo>
+                  <a:lnTo>
+                    <a:pt x="1738444" y="13685"/>
+                  </a:lnTo>
+                  <a:lnTo>
+                    <a:pt x="1795142" y="335286"/>
+                  </a:lnTo>
+                  <a:cubicBezTo>
+                    <a:pt x="1968041" y="360709"/>
+                    <a:pt x="2133947" y="421094"/>
+                    <a:pt x="2282737" y="512756"/>
+                  </a:cubicBezTo>
+                  <a:lnTo>
+                    <a:pt x="2282738" y="512756"/>
+                  </a:lnTo>
+                  <a:close/>
+                </a:path>
+              </a:pathLst>
+            </a:custGeom>
+            <a:gradFill flip="none" rotWithShape="1">
+              <a:gsLst>
+                <a:gs pos="0">
+                  <a:schemeClr val="bg1"/>
+                </a:gs>
+                <a:gs pos="39000">
+                  <a:schemeClr val="accent2">
+                    <a:lumMod val="20000"/>
+                    <a:lumOff val="80000"/>
+                  </a:schemeClr>
+                </a:gs>
+                <a:gs pos="65000">
+                  <a:schemeClr val="accent2">
+                    <a:lumMod val="20000"/>
+                    <a:lumOff val="80000"/>
+                  </a:schemeClr>
+                </a:gs>
+                <a:gs pos="100000">
+                  <a:schemeClr val="bg1"/>
+                </a:gs>
+              </a:gsLst>
+              <a:path path="circle">
+                <a:fillToRect l="50000" t="50000" r="50000" b="50000"/>
+              </a:path>
+              <a:tileRect/>
+            </a:gradFill>
+            <a:ln>
+              <a:noFill/>
+            </a:ln>
+            <a:scene3d>
+              <a:camera prst="orthographicFront">
+                <a:rot lat="0" lon="0" rev="0"/>
+              </a:camera>
+              <a:lightRig rig="contrasting" dir="t">
+                <a:rot lat="0" lon="0" rev="1200000"/>
+              </a:lightRig>
+            </a:scene3d>
+            <a:sp3d contourW="19050" prstMaterial="metal">
+              <a:bevelT w="88900" h="203200"/>
+              <a:bevelB w="165100" h="254000"/>
+            </a:sp3d>
+          </p:spPr>
+          <p:style>
+            <a:lnRef idx="0">
+              <a:scrgbClr r="0" g="0" b="0"/>
+            </a:lnRef>
+            <a:fillRef idx="1">
+              <a:scrgbClr r="0" g="0" b="0"/>
+            </a:fillRef>
+            <a:effectRef idx="2">
+              <a:schemeClr val="accent2">
+                <a:hueOff val="0"/>
+                <a:satOff val="0"/>
+                <a:lumOff val="0"/>
+                <a:alphaOff val="0"/>
+              </a:schemeClr>
+            </a:effectRef>
+            <a:fontRef idx="minor">
+              <a:schemeClr val="lt1"/>
+            </a:fontRef>
+          </p:style>
+          <p:txBody>
+            <a:bodyPr spcFirstLastPara="0" vert="horz" wrap="square" lIns="671961" tIns="778735" rIns="671961" bIns="834979" numCol="1" spcCol="1270" anchor="ctr" anchorCtr="0">
+              <a:noAutofit/>
+            </a:bodyPr>
+            <a:lstStyle/>
+            <a:p>
+              <a:pPr marL="0" lvl="0" indent="0" algn="ctr" defTabSz="889000">
+                <a:lnSpc>
+                  <a:spcPct val="90000"/>
+                </a:lnSpc>
+                <a:spcBef>
+                  <a:spcPct val="0"/>
+                </a:spcBef>
+                <a:spcAft>
+                  <a:spcPct val="35000"/>
+                </a:spcAft>
+                <a:buNone/>
+              </a:pPr>
+              <a:r>
+                <a:rPr lang="en-US" sz="2000" b="1" kern="1200">
+                  <a:solidFill>
+                    <a:srgbClr val="FF0000"/>
+                  </a:solidFill>
+                  <a:latin typeface="Times New Roman" panose="02020603050405020304" pitchFamily="18" charset="0"/>
+                  <a:cs typeface="Times New Roman" panose="02020603050405020304" pitchFamily="18" charset="0"/>
+                </a:rPr>
+                <a:t>Product</a:t>
+              </a:r>
+            </a:p>
+          </p:txBody>
+        </p:sp>
+        <p:sp>
+          <p:nvSpPr>
+            <p:cNvPr id="9" name="Freeform: Shape 8">
+              <a:extLst>
+                <a:ext uri="{FF2B5EF4-FFF2-40B4-BE49-F238E27FC236}">
+                  <a16:creationId xmlns:a16="http://schemas.microsoft.com/office/drawing/2014/main" id="{F5954926-06AC-40DC-0895-68B524B2E74E}"/>
+                </a:ext>
+              </a:extLst>
+            </p:cNvPr>
+            <p:cNvSpPr/>
+            <p:nvPr/>
+          </p:nvSpPr>
+          <p:spPr>
+            <a:xfrm>
+              <a:off x="4774829" y="5285783"/>
+              <a:ext cx="3067228" cy="1227931"/>
+            </a:xfrm>
+            <a:custGeom>
+              <a:avLst/>
+              <a:gdLst>
+                <a:gd name="connsiteX0" fmla="*/ 0 w 3067228"/>
+                <a:gd name="connsiteY0" fmla="*/ 122793 h 1227931"/>
+                <a:gd name="connsiteX1" fmla="*/ 122793 w 3067228"/>
+                <a:gd name="connsiteY1" fmla="*/ 0 h 1227931"/>
+                <a:gd name="connsiteX2" fmla="*/ 2944435 w 3067228"/>
+                <a:gd name="connsiteY2" fmla="*/ 0 h 1227931"/>
+                <a:gd name="connsiteX3" fmla="*/ 3067228 w 3067228"/>
+                <a:gd name="connsiteY3" fmla="*/ 122793 h 1227931"/>
+                <a:gd name="connsiteX4" fmla="*/ 3067228 w 3067228"/>
+                <a:gd name="connsiteY4" fmla="*/ 1105138 h 1227931"/>
+                <a:gd name="connsiteX5" fmla="*/ 2944435 w 3067228"/>
+                <a:gd name="connsiteY5" fmla="*/ 1227931 h 1227931"/>
+                <a:gd name="connsiteX6" fmla="*/ 122793 w 3067228"/>
+                <a:gd name="connsiteY6" fmla="*/ 1227931 h 1227931"/>
+                <a:gd name="connsiteX7" fmla="*/ 0 w 3067228"/>
+                <a:gd name="connsiteY7" fmla="*/ 1105138 h 1227931"/>
+                <a:gd name="connsiteX8" fmla="*/ 0 w 3067228"/>
+                <a:gd name="connsiteY8" fmla="*/ 122793 h 1227931"/>
+              </a:gdLst>
+              <a:ahLst/>
+              <a:cxnLst>
+                <a:cxn ang="0">
+                  <a:pos x="connsiteX0" y="connsiteY0"/>
+                </a:cxn>
+                <a:cxn ang="0">
+                  <a:pos x="connsiteX1" y="connsiteY1"/>
+                </a:cxn>
+                <a:cxn ang="0">
+                  <a:pos x="connsiteX2" y="connsiteY2"/>
+                </a:cxn>
+                <a:cxn ang="0">
+                  <a:pos x="connsiteX3" y="connsiteY3"/>
+                </a:cxn>
+                <a:cxn ang="0">
+                  <a:pos x="connsiteX4" y="connsiteY4"/>
+                </a:cxn>
+                <a:cxn ang="0">
+                  <a:pos x="connsiteX5" y="connsiteY5"/>
+                </a:cxn>
+                <a:cxn ang="0">
+                  <a:pos x="connsiteX6" y="connsiteY6"/>
+                </a:cxn>
+                <a:cxn ang="0">
+                  <a:pos x="connsiteX7" y="connsiteY7"/>
+                </a:cxn>
+                <a:cxn ang="0">
+                  <a:pos x="connsiteX8" y="connsiteY8"/>
+                </a:cxn>
+              </a:cxnLst>
+              <a:rect l="l" t="t" r="r" b="b"/>
+              <a:pathLst>
+                <a:path w="3067228" h="1227931">
+                  <a:moveTo>
+                    <a:pt x="0" y="122793"/>
+                  </a:moveTo>
+                  <a:cubicBezTo>
+                    <a:pt x="0" y="54976"/>
+                    <a:pt x="54976" y="0"/>
+                    <a:pt x="122793" y="0"/>
+                  </a:cubicBezTo>
+                  <a:lnTo>
+                    <a:pt x="2944435" y="0"/>
+                  </a:lnTo>
+                  <a:cubicBezTo>
+                    <a:pt x="3012252" y="0"/>
+                    <a:pt x="3067228" y="54976"/>
+                    <a:pt x="3067228" y="122793"/>
+                  </a:cubicBezTo>
+                  <a:lnTo>
+                    <a:pt x="3067228" y="1105138"/>
+                  </a:lnTo>
+                  <a:cubicBezTo>
+                    <a:pt x="3067228" y="1172955"/>
+                    <a:pt x="3012252" y="1227931"/>
+                    <a:pt x="2944435" y="1227931"/>
+                  </a:cubicBezTo>
+                  <a:lnTo>
+                    <a:pt x="122793" y="1227931"/>
+                  </a:lnTo>
+                  <a:cubicBezTo>
+                    <a:pt x="54976" y="1227931"/>
+                    <a:pt x="0" y="1172955"/>
+                    <a:pt x="0" y="1105138"/>
+                  </a:cubicBezTo>
+                  <a:lnTo>
+                    <a:pt x="0" y="122793"/>
+                  </a:lnTo>
+                  <a:close/>
+                </a:path>
+              </a:pathLst>
+            </a:custGeom>
+            <a:ln>
+              <a:solidFill>
+                <a:schemeClr val="accent2">
+                  <a:lumMod val="60000"/>
+                  <a:lumOff val="40000"/>
+                </a:schemeClr>
+              </a:solidFill>
+            </a:ln>
+            <a:scene3d>
+              <a:camera prst="orthographicFront">
+                <a:rot lat="0" lon="0" rev="0"/>
+              </a:camera>
+              <a:lightRig rig="contrasting" dir="t">
+                <a:rot lat="0" lon="0" rev="1200000"/>
+              </a:lightRig>
+            </a:scene3d>
+            <a:sp3d z="300000" contourW="19050" prstMaterial="metal">
+              <a:bevelT w="88900" h="203200"/>
+              <a:bevelB w="165100" h="254000"/>
+            </a:sp3d>
+          </p:spPr>
+          <p:style>
+            <a:lnRef idx="0">
+              <a:scrgbClr r="0" g="0" b="0"/>
+            </a:lnRef>
+            <a:fillRef idx="1">
+              <a:schemeClr val="lt1">
+                <a:alpha val="90000"/>
+                <a:hueOff val="0"/>
+                <a:satOff val="0"/>
+                <a:lumOff val="0"/>
+                <a:alphaOff val="0"/>
+              </a:schemeClr>
+            </a:fillRef>
+            <a:effectRef idx="0">
+              <a:schemeClr val="lt1">
+                <a:alpha val="90000"/>
+                <a:hueOff val="0"/>
+                <a:satOff val="0"/>
+                <a:lumOff val="0"/>
+                <a:alphaOff val="0"/>
+              </a:schemeClr>
+            </a:effectRef>
+            <a:fontRef idx="minor">
+              <a:schemeClr val="dk1">
+                <a:hueOff val="0"/>
+                <a:satOff val="0"/>
+                <a:lumOff val="0"/>
+                <a:alphaOff val="0"/>
+              </a:schemeClr>
+            </a:fontRef>
+          </p:style>
+          <p:txBody>
+            <a:bodyPr spcFirstLastPara="0" vert="horz" wrap="square" lIns="89305" tIns="89305" rIns="89305" bIns="89305" numCol="1" spcCol="1270" anchor="ctr" anchorCtr="0">
+              <a:noAutofit/>
+            </a:bodyPr>
+            <a:lstStyle/>
+            <a:p>
+              <a:pPr marL="114300" lvl="1" indent="-114300" algn="ctr" defTabSz="622300">
+                <a:lnSpc>
+                  <a:spcPct val="90000"/>
+                </a:lnSpc>
+                <a:spcBef>
+                  <a:spcPct val="0"/>
+                </a:spcBef>
+                <a:spcAft>
+                  <a:spcPct val="15000"/>
+                </a:spcAft>
+                <a:buNone/>
+              </a:pPr>
+              <a:r>
+                <a:rPr lang="en-US" sz="1400" kern="1200" dirty="0">
+                  <a:solidFill>
+                    <a:srgbClr val="FF0000"/>
+                  </a:solidFill>
+                  <a:latin typeface="Times New Roman" panose="02020603050405020304" pitchFamily="18" charset="0"/>
+                  <a:cs typeface="Times New Roman" panose="02020603050405020304" pitchFamily="18" charset="0"/>
+                </a:rPr>
+                <a:t>Showroom365</a:t>
+              </a:r>
+            </a:p>
+            <a:p>
+              <a:pPr marL="114300" lvl="1" indent="-114300" algn="ctr" defTabSz="622300">
+                <a:lnSpc>
+                  <a:spcPct val="90000"/>
+                </a:lnSpc>
+                <a:spcBef>
+                  <a:spcPct val="0"/>
+                </a:spcBef>
+                <a:spcAft>
+                  <a:spcPct val="15000"/>
+                </a:spcAft>
+                <a:buNone/>
+              </a:pPr>
+              <a:r>
+                <a:rPr lang="en-US" sz="1400" dirty="0">
+                  <a:solidFill>
+                    <a:srgbClr val="FF0000"/>
+                  </a:solidFill>
+                  <a:latin typeface="Times New Roman" panose="02020603050405020304" pitchFamily="18" charset="0"/>
+                  <a:cs typeface="Times New Roman" panose="02020603050405020304" pitchFamily="18" charset="0"/>
+                </a:rPr>
+                <a:t>World’s Finest C</a:t>
+              </a:r>
+              <a:r>
+                <a:rPr lang="en-US" sz="1400" kern="1200" dirty="0">
+                  <a:solidFill>
+                    <a:srgbClr val="FF0000"/>
+                  </a:solidFill>
+                  <a:latin typeface="Times New Roman" panose="02020603050405020304" pitchFamily="18" charset="0"/>
+                  <a:cs typeface="Times New Roman" panose="02020603050405020304" pitchFamily="18" charset="0"/>
+                </a:rPr>
+                <a:t>ustomer </a:t>
+              </a:r>
+              <a:r>
+                <a:rPr lang="en-US" sz="1400" dirty="0">
+                  <a:solidFill>
+                    <a:srgbClr val="FF0000"/>
+                  </a:solidFill>
+                  <a:latin typeface="Times New Roman" panose="02020603050405020304" pitchFamily="18" charset="0"/>
+                  <a:cs typeface="Times New Roman" panose="02020603050405020304" pitchFamily="18" charset="0"/>
+                </a:rPr>
+                <a:t>J</a:t>
+              </a:r>
+              <a:r>
+                <a:rPr lang="en-US" sz="1400" kern="1200" dirty="0">
+                  <a:solidFill>
+                    <a:srgbClr val="FF0000"/>
+                  </a:solidFill>
+                  <a:latin typeface="Times New Roman" panose="02020603050405020304" pitchFamily="18" charset="0"/>
+                  <a:cs typeface="Times New Roman" panose="02020603050405020304" pitchFamily="18" charset="0"/>
+                </a:rPr>
+                <a:t>ourney</a:t>
+              </a:r>
+            </a:p>
+            <a:p>
+              <a:pPr marL="114300" lvl="1" indent="-114300" algn="ctr" defTabSz="622300">
+                <a:lnSpc>
+                  <a:spcPct val="90000"/>
+                </a:lnSpc>
+                <a:spcBef>
+                  <a:spcPct val="0"/>
+                </a:spcBef>
+                <a:spcAft>
+                  <a:spcPct val="15000"/>
+                </a:spcAft>
+                <a:buNone/>
+              </a:pPr>
+              <a:r>
+                <a:rPr lang="en-US" sz="1400" kern="1200" dirty="0">
+                  <a:solidFill>
+                    <a:srgbClr val="FF0000"/>
+                  </a:solidFill>
+                  <a:latin typeface="Times New Roman" panose="02020603050405020304" pitchFamily="18" charset="0"/>
+                  <a:cs typeface="Times New Roman" panose="02020603050405020304" pitchFamily="18" charset="0"/>
+                </a:rPr>
+                <a:t>Features (7) </a:t>
+              </a:r>
+            </a:p>
+            <a:p>
+              <a:pPr marL="114300" lvl="1" indent="-114300" algn="ctr" defTabSz="622300">
+                <a:lnSpc>
+                  <a:spcPct val="90000"/>
+                </a:lnSpc>
+                <a:spcBef>
+                  <a:spcPct val="0"/>
+                </a:spcBef>
+                <a:spcAft>
+                  <a:spcPct val="15000"/>
+                </a:spcAft>
+                <a:buNone/>
+              </a:pPr>
+              <a:r>
+                <a:rPr lang="en-US" sz="1400" kern="1200" dirty="0">
+                  <a:solidFill>
+                    <a:srgbClr val="FF0000"/>
+                  </a:solidFill>
+                  <a:latin typeface="Times New Roman" panose="02020603050405020304" pitchFamily="18" charset="0"/>
+                  <a:cs typeface="Times New Roman" panose="02020603050405020304" pitchFamily="18" charset="0"/>
+                </a:rPr>
+                <a:t>Smartphones, Tablets, PC’s, Kiosks </a:t>
+              </a:r>
+            </a:p>
+          </p:txBody>
+        </p:sp>
+        <p:sp>
+          <p:nvSpPr>
+            <p:cNvPr id="14" name="Arrow: Circular 13">
+              <a:extLst>
+                <a:ext uri="{FF2B5EF4-FFF2-40B4-BE49-F238E27FC236}">
+                  <a16:creationId xmlns:a16="http://schemas.microsoft.com/office/drawing/2014/main" id="{064DF4A6-0C2E-7143-7810-A979C47CD42E}"/>
+                </a:ext>
+              </a:extLst>
+            </p:cNvPr>
+            <p:cNvSpPr/>
+            <p:nvPr/>
+          </p:nvSpPr>
+          <p:spPr>
+            <a:xfrm>
+              <a:off x="6215702" y="2864363"/>
+              <a:ext cx="4116492" cy="4116492"/>
+            </a:xfrm>
+            <a:prstGeom prst="circularArrow">
+              <a:avLst>
+                <a:gd name="adj1" fmla="val 4688"/>
+                <a:gd name="adj2" fmla="val 299029"/>
+                <a:gd name="adj3" fmla="val 2545302"/>
+                <a:gd name="adj4" fmla="val 15799880"/>
+                <a:gd name="adj5" fmla="val 5469"/>
+              </a:avLst>
+            </a:prstGeom>
+            <a:gradFill flip="none" rotWithShape="1">
+              <a:gsLst>
+                <a:gs pos="0">
+                  <a:schemeClr val="bg1"/>
+                </a:gs>
+                <a:gs pos="31000">
+                  <a:schemeClr val="accent2">
+                    <a:lumMod val="20000"/>
+                    <a:lumOff val="80000"/>
+                  </a:schemeClr>
+                </a:gs>
+                <a:gs pos="59000">
+                  <a:schemeClr val="accent2">
+                    <a:lumMod val="20000"/>
+                    <a:lumOff val="80000"/>
+                  </a:schemeClr>
+                </a:gs>
+                <a:gs pos="100000">
+                  <a:schemeClr val="bg1"/>
+                </a:gs>
+              </a:gsLst>
+              <a:path path="circle">
+                <a:fillToRect l="50000" t="50000" r="50000" b="50000"/>
+              </a:path>
+              <a:tileRect/>
+            </a:gradFill>
+            <a:ln>
+              <a:noFill/>
+            </a:ln>
+            <a:scene3d>
+              <a:camera prst="orthographicFront">
+                <a:rot lat="0" lon="0" rev="0"/>
+              </a:camera>
+              <a:lightRig rig="contrasting" dir="t">
+                <a:rot lat="0" lon="0" rev="1200000"/>
+              </a:lightRig>
+            </a:scene3d>
+            <a:sp3d z="-182000" contourW="19050" prstMaterial="metal">
+              <a:bevelT w="88900" h="203200"/>
+              <a:bevelB w="165100" h="254000"/>
+            </a:sp3d>
+          </p:spPr>
+          <p:style>
+            <a:lnRef idx="0">
+              <a:scrgbClr r="0" g="0" b="0"/>
+            </a:lnRef>
+            <a:fillRef idx="1">
+              <a:scrgbClr r="0" g="0" b="0"/>
+            </a:fillRef>
+            <a:effectRef idx="0">
+              <a:schemeClr val="accent2">
+                <a:hueOff val="0"/>
+                <a:satOff val="0"/>
+                <a:lumOff val="0"/>
+                <a:alphaOff val="0"/>
+              </a:schemeClr>
+            </a:effectRef>
+            <a:fontRef idx="minor">
+              <a:schemeClr val="lt1"/>
+            </a:fontRef>
+          </p:style>
+          <p:txBody>
+            <a:bodyPr/>
+            <a:lstStyle/>
+            <a:p>
+              <a:endParaRPr lang="en-US"/>
+            </a:p>
+          </p:txBody>
+        </p:sp>
+      </p:grpSp>
+      <p:grpSp>
+        <p:nvGrpSpPr>
+          <p:cNvPr id="18" name="Group 17">
+            <a:extLst>
+              <a:ext uri="{FF2B5EF4-FFF2-40B4-BE49-F238E27FC236}">
+                <a16:creationId xmlns:a16="http://schemas.microsoft.com/office/drawing/2014/main" id="{14DA3229-85C9-513D-8050-B4A136FC6E57}"/>
+              </a:ext>
+            </a:extLst>
+          </p:cNvPr>
+          <p:cNvGrpSpPr/>
+          <p:nvPr/>
+        </p:nvGrpSpPr>
+        <p:grpSpPr>
+          <a:xfrm>
+            <a:off x="1530267" y="1775364"/>
+            <a:ext cx="5949248" cy="2990889"/>
+            <a:chOff x="1200727" y="2075524"/>
+            <a:chExt cx="5949248" cy="2990889"/>
+          </a:xfrm>
+        </p:grpSpPr>
+        <p:sp>
+          <p:nvSpPr>
+            <p:cNvPr id="10" name="Freeform: Shape 9">
+              <a:extLst>
+                <a:ext uri="{FF2B5EF4-FFF2-40B4-BE49-F238E27FC236}">
+                  <a16:creationId xmlns:a16="http://schemas.microsoft.com/office/drawing/2014/main" id="{B3BEECA5-32FC-59B4-BE63-EFB9179146CA}"/>
+                </a:ext>
+              </a:extLst>
+            </p:cNvPr>
+            <p:cNvSpPr/>
+            <p:nvPr/>
+          </p:nvSpPr>
+          <p:spPr>
+            <a:xfrm>
+              <a:off x="4573303" y="2600132"/>
+              <a:ext cx="2338916" cy="2338916"/>
+            </a:xfrm>
+            <a:custGeom>
+              <a:avLst/>
+              <a:gdLst>
+                <a:gd name="connsiteX0" fmla="*/ 1750087 w 2338916"/>
+                <a:gd name="connsiteY0" fmla="*/ 592388 h 2338916"/>
+                <a:gd name="connsiteX1" fmla="*/ 2095156 w 2338916"/>
+                <a:gd name="connsiteY1" fmla="*/ 488391 h 2338916"/>
+                <a:gd name="connsiteX2" fmla="*/ 2222129 w 2338916"/>
+                <a:gd name="connsiteY2" fmla="*/ 708314 h 2338916"/>
+                <a:gd name="connsiteX3" fmla="*/ 1959530 w 2338916"/>
+                <a:gd name="connsiteY3" fmla="*/ 955154 h 2338916"/>
+                <a:gd name="connsiteX4" fmla="*/ 1959530 w 2338916"/>
+                <a:gd name="connsiteY4" fmla="*/ 1383763 h 2338916"/>
+                <a:gd name="connsiteX5" fmla="*/ 2222129 w 2338916"/>
+                <a:gd name="connsiteY5" fmla="*/ 1630602 h 2338916"/>
+                <a:gd name="connsiteX6" fmla="*/ 2095156 w 2338916"/>
+                <a:gd name="connsiteY6" fmla="*/ 1850525 h 2338916"/>
+                <a:gd name="connsiteX7" fmla="*/ 1750087 w 2338916"/>
+                <a:gd name="connsiteY7" fmla="*/ 1746528 h 2338916"/>
+                <a:gd name="connsiteX8" fmla="*/ 1378901 w 2338916"/>
+                <a:gd name="connsiteY8" fmla="*/ 1960832 h 2338916"/>
+                <a:gd name="connsiteX9" fmla="*/ 1296431 w 2338916"/>
+                <a:gd name="connsiteY9" fmla="*/ 2311670 h 2338916"/>
+                <a:gd name="connsiteX10" fmla="*/ 1042485 w 2338916"/>
+                <a:gd name="connsiteY10" fmla="*/ 2311670 h 2338916"/>
+                <a:gd name="connsiteX11" fmla="*/ 960015 w 2338916"/>
+                <a:gd name="connsiteY11" fmla="*/ 1960832 h 2338916"/>
+                <a:gd name="connsiteX12" fmla="*/ 588829 w 2338916"/>
+                <a:gd name="connsiteY12" fmla="*/ 1746528 h 2338916"/>
+                <a:gd name="connsiteX13" fmla="*/ 243760 w 2338916"/>
+                <a:gd name="connsiteY13" fmla="*/ 1850525 h 2338916"/>
+                <a:gd name="connsiteX14" fmla="*/ 116787 w 2338916"/>
+                <a:gd name="connsiteY14" fmla="*/ 1630602 h 2338916"/>
+                <a:gd name="connsiteX15" fmla="*/ 379386 w 2338916"/>
+                <a:gd name="connsiteY15" fmla="*/ 1383762 h 2338916"/>
+                <a:gd name="connsiteX16" fmla="*/ 379386 w 2338916"/>
+                <a:gd name="connsiteY16" fmla="*/ 955153 h 2338916"/>
+                <a:gd name="connsiteX17" fmla="*/ 116787 w 2338916"/>
+                <a:gd name="connsiteY17" fmla="*/ 708314 h 2338916"/>
+                <a:gd name="connsiteX18" fmla="*/ 243760 w 2338916"/>
+                <a:gd name="connsiteY18" fmla="*/ 488391 h 2338916"/>
+                <a:gd name="connsiteX19" fmla="*/ 588829 w 2338916"/>
+                <a:gd name="connsiteY19" fmla="*/ 592388 h 2338916"/>
+                <a:gd name="connsiteX20" fmla="*/ 960015 w 2338916"/>
+                <a:gd name="connsiteY20" fmla="*/ 378084 h 2338916"/>
+                <a:gd name="connsiteX21" fmla="*/ 1042485 w 2338916"/>
+                <a:gd name="connsiteY21" fmla="*/ 27246 h 2338916"/>
+                <a:gd name="connsiteX22" fmla="*/ 1296431 w 2338916"/>
+                <a:gd name="connsiteY22" fmla="*/ 27246 h 2338916"/>
+                <a:gd name="connsiteX23" fmla="*/ 1378901 w 2338916"/>
+                <a:gd name="connsiteY23" fmla="*/ 378084 h 2338916"/>
+                <a:gd name="connsiteX24" fmla="*/ 1750087 w 2338916"/>
+                <a:gd name="connsiteY24" fmla="*/ 592388 h 2338916"/>
+              </a:gdLst>
+              <a:ahLst/>
+              <a:cxnLst>
+                <a:cxn ang="0">
+                  <a:pos x="connsiteX0" y="connsiteY0"/>
+                </a:cxn>
+                <a:cxn ang="0">
+                  <a:pos x="connsiteX1" y="connsiteY1"/>
+                </a:cxn>
+                <a:cxn ang="0">
+                  <a:pos x="connsiteX2" y="connsiteY2"/>
+                </a:cxn>
+                <a:cxn ang="0">
+                  <a:pos x="connsiteX3" y="connsiteY3"/>
+                </a:cxn>
+                <a:cxn ang="0">
+                  <a:pos x="connsiteX4" y="connsiteY4"/>
+                </a:cxn>
+                <a:cxn ang="0">
+                  <a:pos x="connsiteX5" y="connsiteY5"/>
+                </a:cxn>
+                <a:cxn ang="0">
+                  <a:pos x="connsiteX6" y="connsiteY6"/>
+                </a:cxn>
+                <a:cxn ang="0">
+                  <a:pos x="connsiteX7" y="connsiteY7"/>
+                </a:cxn>
+                <a:cxn ang="0">
+                  <a:pos x="connsiteX8" y="connsiteY8"/>
+                </a:cxn>
+                <a:cxn ang="0">
+                  <a:pos x="connsiteX9" y="connsiteY9"/>
+                </a:cxn>
+                <a:cxn ang="0">
+                  <a:pos x="connsiteX10" y="connsiteY10"/>
+                </a:cxn>
+                <a:cxn ang="0">
+                  <a:pos x="connsiteX11" y="connsiteY11"/>
+                </a:cxn>
+                <a:cxn ang="0">
+                  <a:pos x="connsiteX12" y="connsiteY12"/>
+                </a:cxn>
+                <a:cxn ang="0">
+                  <a:pos x="connsiteX13" y="connsiteY13"/>
+                </a:cxn>
+                <a:cxn ang="0">
+                  <a:pos x="connsiteX14" y="connsiteY14"/>
+                </a:cxn>
+                <a:cxn ang="0">
+                  <a:pos x="connsiteX15" y="connsiteY15"/>
+                </a:cxn>
+                <a:cxn ang="0">
+                  <a:pos x="connsiteX16" y="connsiteY16"/>
+                </a:cxn>
+                <a:cxn ang="0">
+                  <a:pos x="connsiteX17" y="connsiteY17"/>
+                </a:cxn>
+                <a:cxn ang="0">
+                  <a:pos x="connsiteX18" y="connsiteY18"/>
+                </a:cxn>
+                <a:cxn ang="0">
+                  <a:pos x="connsiteX19" y="connsiteY19"/>
+                </a:cxn>
+                <a:cxn ang="0">
+                  <a:pos x="connsiteX20" y="connsiteY20"/>
+                </a:cxn>
+                <a:cxn ang="0">
+                  <a:pos x="connsiteX21" y="connsiteY21"/>
+                </a:cxn>
+                <a:cxn ang="0">
+                  <a:pos x="connsiteX22" y="connsiteY22"/>
+                </a:cxn>
+                <a:cxn ang="0">
+                  <a:pos x="connsiteX23" y="connsiteY23"/>
+                </a:cxn>
+                <a:cxn ang="0">
+                  <a:pos x="connsiteX24" y="connsiteY24"/>
+                </a:cxn>
+              </a:cxnLst>
+              <a:rect l="l" t="t" r="r" b="b"/>
+              <a:pathLst>
+                <a:path w="2338916" h="2338916">
+                  <a:moveTo>
+                    <a:pt x="1750087" y="592388"/>
+                  </a:moveTo>
+                  <a:lnTo>
+                    <a:pt x="2095156" y="488391"/>
+                  </a:lnTo>
+                  <a:lnTo>
+                    <a:pt x="2222129" y="708314"/>
+                  </a:lnTo>
+                  <a:lnTo>
+                    <a:pt x="1959530" y="955154"/>
+                  </a:lnTo>
+                  <a:cubicBezTo>
+                    <a:pt x="1997595" y="1095488"/>
+                    <a:pt x="1997595" y="1243429"/>
+                    <a:pt x="1959530" y="1383763"/>
+                  </a:cubicBezTo>
+                  <a:lnTo>
+                    <a:pt x="2222129" y="1630602"/>
+                  </a:lnTo>
+                  <a:lnTo>
+                    <a:pt x="2095156" y="1850525"/>
+                  </a:lnTo>
+                  <a:lnTo>
+                    <a:pt x="1750087" y="1746528"/>
+                  </a:lnTo>
+                  <a:cubicBezTo>
+                    <a:pt x="1647587" y="1849661"/>
+                    <a:pt x="1519466" y="1923631"/>
+                    <a:pt x="1378901" y="1960832"/>
+                  </a:cubicBezTo>
+                  <a:lnTo>
+                    <a:pt x="1296431" y="2311670"/>
+                  </a:lnTo>
+                  <a:lnTo>
+                    <a:pt x="1042485" y="2311670"/>
+                  </a:lnTo>
+                  <a:lnTo>
+                    <a:pt x="960015" y="1960832"/>
+                  </a:lnTo>
+                  <a:cubicBezTo>
+                    <a:pt x="819449" y="1923630"/>
+                    <a:pt x="691329" y="1849660"/>
+                    <a:pt x="588829" y="1746528"/>
+                  </a:cubicBezTo>
+                  <a:lnTo>
+                    <a:pt x="243760" y="1850525"/>
+                  </a:lnTo>
+                  <a:lnTo>
+                    <a:pt x="116787" y="1630602"/>
+                  </a:lnTo>
+                  <a:lnTo>
+                    <a:pt x="379386" y="1383762"/>
+                  </a:lnTo>
+                  <a:cubicBezTo>
+                    <a:pt x="341321" y="1243428"/>
+                    <a:pt x="341321" y="1095487"/>
+                    <a:pt x="379386" y="955153"/>
+                  </a:cubicBezTo>
+                  <a:lnTo>
+                    <a:pt x="116787" y="708314"/>
+                  </a:lnTo>
+                  <a:lnTo>
+                    <a:pt x="243760" y="488391"/>
+                  </a:lnTo>
+                  <a:lnTo>
+                    <a:pt x="588829" y="592388"/>
+                  </a:lnTo>
+                  <a:cubicBezTo>
+                    <a:pt x="691329" y="489255"/>
+                    <a:pt x="819450" y="415285"/>
+                    <a:pt x="960015" y="378084"/>
+                  </a:cubicBezTo>
+                  <a:lnTo>
+                    <a:pt x="1042485" y="27246"/>
+                  </a:lnTo>
+                  <a:lnTo>
+                    <a:pt x="1296431" y="27246"/>
+                  </a:lnTo>
+                  <a:lnTo>
+                    <a:pt x="1378901" y="378084"/>
+                  </a:lnTo>
+                  <a:cubicBezTo>
+                    <a:pt x="1519467" y="415286"/>
+                    <a:pt x="1647587" y="489256"/>
+                    <a:pt x="1750087" y="592388"/>
+                  </a:cubicBezTo>
+                  <a:close/>
+                </a:path>
+              </a:pathLst>
+            </a:custGeom>
+            <a:gradFill flip="none" rotWithShape="1">
+              <a:gsLst>
+                <a:gs pos="0">
+                  <a:schemeClr val="bg1"/>
+                </a:gs>
+                <a:gs pos="37000">
+                  <a:schemeClr val="accent6">
+                    <a:lumMod val="20000"/>
+                    <a:lumOff val="80000"/>
+                  </a:schemeClr>
+                </a:gs>
+                <a:gs pos="58000">
+                  <a:schemeClr val="accent6">
+                    <a:lumMod val="20000"/>
+                    <a:lumOff val="80000"/>
+                  </a:schemeClr>
+                </a:gs>
+                <a:gs pos="100000">
+                  <a:schemeClr val="bg1"/>
+                </a:gs>
+              </a:gsLst>
+              <a:path path="circle">
+                <a:fillToRect l="50000" t="50000" r="50000" b="50000"/>
+              </a:path>
+              <a:tileRect/>
+            </a:gradFill>
+            <a:scene3d>
+              <a:camera prst="orthographicFront">
+                <a:rot lat="0" lon="0" rev="0"/>
+              </a:camera>
+              <a:lightRig rig="contrasting" dir="t">
+                <a:rot lat="0" lon="0" rev="1200000"/>
+              </a:lightRig>
+            </a:scene3d>
+            <a:sp3d contourW="19050" prstMaterial="metal">
+              <a:bevelT w="88900" h="203200"/>
+              <a:bevelB w="165100" h="254000"/>
+            </a:sp3d>
+          </p:spPr>
+          <p:style>
+            <a:lnRef idx="0">
+              <a:schemeClr val="lt1">
+                <a:hueOff val="0"/>
+                <a:satOff val="0"/>
+                <a:lumOff val="0"/>
+                <a:alphaOff val="0"/>
+              </a:schemeClr>
+            </a:lnRef>
+            <a:fillRef idx="1">
+              <a:scrgbClr r="0" g="0" b="0"/>
+            </a:fillRef>
+            <a:effectRef idx="2">
+              <a:schemeClr val="accent3">
+                <a:hueOff val="0"/>
+                <a:satOff val="0"/>
+                <a:lumOff val="0"/>
+                <a:alphaOff val="0"/>
+              </a:schemeClr>
+            </a:effectRef>
+            <a:fontRef idx="minor">
+              <a:schemeClr val="lt1"/>
+            </a:fontRef>
+          </p:style>
+          <p:txBody>
+            <a:bodyPr spcFirstLastPara="0" vert="horz" wrap="square" lIns="614229" tIns="617788" rIns="614229" bIns="617788" numCol="1" spcCol="1270" anchor="ctr" anchorCtr="0">
+              <a:noAutofit/>
+            </a:bodyPr>
+            <a:lstStyle/>
+            <a:p>
+              <a:pPr marL="0" lvl="0" indent="0" algn="ctr" defTabSz="889000">
+                <a:lnSpc>
+                  <a:spcPct val="90000"/>
+                </a:lnSpc>
+                <a:spcBef>
+                  <a:spcPct val="0"/>
+                </a:spcBef>
+                <a:spcAft>
+                  <a:spcPct val="35000"/>
+                </a:spcAft>
+                <a:buNone/>
+              </a:pPr>
+              <a:r>
+                <a:rPr lang="en-US" sz="2000" b="1" kern="1200" dirty="0">
+                  <a:solidFill>
+                    <a:schemeClr val="accent6">
+                      <a:lumMod val="50000"/>
+                    </a:schemeClr>
+                  </a:solidFill>
+                  <a:latin typeface="Times New Roman" panose="02020603050405020304" pitchFamily="18" charset="0"/>
+                  <a:cs typeface="Times New Roman" panose="02020603050405020304" pitchFamily="18" charset="0"/>
+                </a:rPr>
+                <a:t>Promote</a:t>
+              </a:r>
+            </a:p>
+          </p:txBody>
+        </p:sp>
+        <p:sp>
+          <p:nvSpPr>
+            <p:cNvPr id="11" name="Freeform: Shape 10">
+              <a:extLst>
+                <a:ext uri="{FF2B5EF4-FFF2-40B4-BE49-F238E27FC236}">
+                  <a16:creationId xmlns:a16="http://schemas.microsoft.com/office/drawing/2014/main" id="{E468A3BD-052E-6A39-7122-BE02166B477D}"/>
+                </a:ext>
+              </a:extLst>
+            </p:cNvPr>
+            <p:cNvSpPr/>
+            <p:nvPr/>
+          </p:nvSpPr>
+          <p:spPr>
+            <a:xfrm>
+              <a:off x="1200727" y="3312891"/>
+              <a:ext cx="3224301" cy="1227931"/>
+            </a:xfrm>
+            <a:custGeom>
+              <a:avLst/>
+              <a:gdLst>
+                <a:gd name="connsiteX0" fmla="*/ 0 w 3224301"/>
+                <a:gd name="connsiteY0" fmla="*/ 122793 h 1227931"/>
+                <a:gd name="connsiteX1" fmla="*/ 122793 w 3224301"/>
+                <a:gd name="connsiteY1" fmla="*/ 0 h 1227931"/>
+                <a:gd name="connsiteX2" fmla="*/ 3101508 w 3224301"/>
+                <a:gd name="connsiteY2" fmla="*/ 0 h 1227931"/>
+                <a:gd name="connsiteX3" fmla="*/ 3224301 w 3224301"/>
+                <a:gd name="connsiteY3" fmla="*/ 122793 h 1227931"/>
+                <a:gd name="connsiteX4" fmla="*/ 3224301 w 3224301"/>
+                <a:gd name="connsiteY4" fmla="*/ 1105138 h 1227931"/>
+                <a:gd name="connsiteX5" fmla="*/ 3101508 w 3224301"/>
+                <a:gd name="connsiteY5" fmla="*/ 1227931 h 1227931"/>
+                <a:gd name="connsiteX6" fmla="*/ 122793 w 3224301"/>
+                <a:gd name="connsiteY6" fmla="*/ 1227931 h 1227931"/>
+                <a:gd name="connsiteX7" fmla="*/ 0 w 3224301"/>
+                <a:gd name="connsiteY7" fmla="*/ 1105138 h 1227931"/>
+                <a:gd name="connsiteX8" fmla="*/ 0 w 3224301"/>
+                <a:gd name="connsiteY8" fmla="*/ 122793 h 1227931"/>
+              </a:gdLst>
+              <a:ahLst/>
+              <a:cxnLst>
+                <a:cxn ang="0">
+                  <a:pos x="connsiteX0" y="connsiteY0"/>
+                </a:cxn>
+                <a:cxn ang="0">
+                  <a:pos x="connsiteX1" y="connsiteY1"/>
+                </a:cxn>
+                <a:cxn ang="0">
+                  <a:pos x="connsiteX2" y="connsiteY2"/>
+                </a:cxn>
+                <a:cxn ang="0">
+                  <a:pos x="connsiteX3" y="connsiteY3"/>
+                </a:cxn>
+                <a:cxn ang="0">
+                  <a:pos x="connsiteX4" y="connsiteY4"/>
+                </a:cxn>
+                <a:cxn ang="0">
+                  <a:pos x="connsiteX5" y="connsiteY5"/>
+                </a:cxn>
+                <a:cxn ang="0">
+                  <a:pos x="connsiteX6" y="connsiteY6"/>
+                </a:cxn>
+                <a:cxn ang="0">
+                  <a:pos x="connsiteX7" y="connsiteY7"/>
+                </a:cxn>
+                <a:cxn ang="0">
+                  <a:pos x="connsiteX8" y="connsiteY8"/>
+                </a:cxn>
+              </a:cxnLst>
+              <a:rect l="l" t="t" r="r" b="b"/>
+              <a:pathLst>
+                <a:path w="3224301" h="1227931">
+                  <a:moveTo>
+                    <a:pt x="0" y="122793"/>
+                  </a:moveTo>
+                  <a:cubicBezTo>
+                    <a:pt x="0" y="54976"/>
+                    <a:pt x="54976" y="0"/>
+                    <a:pt x="122793" y="0"/>
+                  </a:cubicBezTo>
+                  <a:lnTo>
+                    <a:pt x="3101508" y="0"/>
+                  </a:lnTo>
+                  <a:cubicBezTo>
+                    <a:pt x="3169325" y="0"/>
+                    <a:pt x="3224301" y="54976"/>
+                    <a:pt x="3224301" y="122793"/>
+                  </a:cubicBezTo>
+                  <a:lnTo>
+                    <a:pt x="3224301" y="1105138"/>
+                  </a:lnTo>
+                  <a:cubicBezTo>
+                    <a:pt x="3224301" y="1172955"/>
+                    <a:pt x="3169325" y="1227931"/>
+                    <a:pt x="3101508" y="1227931"/>
+                  </a:cubicBezTo>
+                  <a:lnTo>
+                    <a:pt x="122793" y="1227931"/>
+                  </a:lnTo>
+                  <a:cubicBezTo>
+                    <a:pt x="54976" y="1227931"/>
+                    <a:pt x="0" y="1172955"/>
+                    <a:pt x="0" y="1105138"/>
+                  </a:cubicBezTo>
+                  <a:lnTo>
+                    <a:pt x="0" y="122793"/>
+                  </a:lnTo>
+                  <a:close/>
+                </a:path>
+              </a:pathLst>
+            </a:custGeom>
+            <a:ln>
+              <a:solidFill>
+                <a:schemeClr val="accent6">
+                  <a:lumMod val="60000"/>
+                  <a:lumOff val="40000"/>
+                </a:schemeClr>
+              </a:solidFill>
+            </a:ln>
+            <a:scene3d>
+              <a:camera prst="orthographicFront">
+                <a:rot lat="0" lon="0" rev="0"/>
+              </a:camera>
+              <a:lightRig rig="contrasting" dir="t">
+                <a:rot lat="0" lon="0" rev="1200000"/>
+              </a:lightRig>
+            </a:scene3d>
+            <a:sp3d z="300000" contourW="19050" prstMaterial="metal">
+              <a:bevelT w="88900" h="203200"/>
+              <a:bevelB w="165100" h="254000"/>
+            </a:sp3d>
+          </p:spPr>
+          <p:style>
+            <a:lnRef idx="0">
+              <a:scrgbClr r="0" g="0" b="0"/>
+            </a:lnRef>
+            <a:fillRef idx="1">
+              <a:schemeClr val="lt1">
+                <a:alpha val="90000"/>
+                <a:hueOff val="0"/>
+                <a:satOff val="0"/>
+                <a:lumOff val="0"/>
+                <a:alphaOff val="0"/>
+              </a:schemeClr>
+            </a:fillRef>
+            <a:effectRef idx="0">
+              <a:schemeClr val="lt1">
+                <a:alpha val="90000"/>
+                <a:hueOff val="0"/>
+                <a:satOff val="0"/>
+                <a:lumOff val="0"/>
+                <a:alphaOff val="0"/>
+              </a:schemeClr>
+            </a:effectRef>
+            <a:fontRef idx="minor">
+              <a:schemeClr val="dk1">
+                <a:hueOff val="0"/>
+                <a:satOff val="0"/>
+                <a:lumOff val="0"/>
+                <a:alphaOff val="0"/>
+              </a:schemeClr>
+            </a:fontRef>
+          </p:style>
+          <p:txBody>
+            <a:bodyPr spcFirstLastPara="0" vert="horz" wrap="square" lIns="89305" tIns="89305" rIns="89305" bIns="89305" numCol="1" spcCol="1270" anchor="ctr" anchorCtr="0">
+              <a:noAutofit/>
+            </a:bodyPr>
+            <a:lstStyle/>
+            <a:p>
+              <a:pPr marL="114300" lvl="1" indent="-114300" algn="ctr" defTabSz="622300">
+                <a:lnSpc>
+                  <a:spcPct val="90000"/>
+                </a:lnSpc>
+                <a:spcBef>
+                  <a:spcPct val="0"/>
+                </a:spcBef>
+                <a:spcAft>
+                  <a:spcPct val="15000"/>
+                </a:spcAft>
+                <a:buNone/>
+              </a:pPr>
+              <a:r>
+                <a:rPr lang="en-US" sz="1400" kern="1200" dirty="0">
+                  <a:solidFill>
+                    <a:schemeClr val="accent6">
+                      <a:lumMod val="75000"/>
+                    </a:schemeClr>
+                  </a:solidFill>
+                  <a:latin typeface="Times New Roman" panose="02020603050405020304" pitchFamily="18" charset="0"/>
+                  <a:cs typeface="Times New Roman" panose="02020603050405020304" pitchFamily="18" charset="0"/>
+                </a:rPr>
+                <a:t>Stories, Videos, Infographics</a:t>
+              </a:r>
+            </a:p>
+            <a:p>
+              <a:pPr marL="114300" lvl="1" indent="-114300" algn="ctr" defTabSz="622300">
+                <a:lnSpc>
+                  <a:spcPct val="90000"/>
+                </a:lnSpc>
+                <a:spcBef>
+                  <a:spcPct val="0"/>
+                </a:spcBef>
+                <a:spcAft>
+                  <a:spcPct val="15000"/>
+                </a:spcAft>
+                <a:buNone/>
+              </a:pPr>
+              <a:r>
+                <a:rPr lang="en-US" sz="1400" kern="1200">
+                  <a:solidFill>
+                    <a:schemeClr val="accent6">
+                      <a:lumMod val="75000"/>
+                    </a:schemeClr>
+                  </a:solidFill>
+                  <a:latin typeface="Times New Roman" panose="02020603050405020304" pitchFamily="18" charset="0"/>
+                  <a:cs typeface="Times New Roman" panose="02020603050405020304" pitchFamily="18" charset="0"/>
+                </a:rPr>
+                <a:t>Partnerships</a:t>
+              </a:r>
+              <a:endParaRPr lang="en-US" sz="1400" kern="1200" dirty="0">
                 <a:solidFill>
                   <a:schemeClr val="accent6">
-                    <a:lumMod val="50000"/>
+                    <a:lumMod val="75000"/>
                   </a:schemeClr>
                 </a:solidFill>
                 <a:latin typeface="Times New Roman" panose="02020603050405020304" pitchFamily="18" charset="0"/>
                 <a:cs typeface="Times New Roman" panose="02020603050405020304" pitchFamily="18" charset="0"/>
-              </a:rPr>
-              <a:t>Showroom3D – Differentiation</a:t>
-            </a:r>
-            <a:endParaRPr lang="en-IN" sz="2000" dirty="0">
-              <a:solidFill>
-                <a:schemeClr val="accent6">
-                  <a:lumMod val="50000"/>
-                </a:schemeClr>
-              </a:solidFill>
-              <a:latin typeface="Times New Roman" panose="02020603050405020304" pitchFamily="18" charset="0"/>
-              <a:cs typeface="Times New Roman" panose="02020603050405020304" pitchFamily="18" charset="0"/>
-            </a:endParaRPr>
-          </a:p>
-        </p:txBody>
-      </p:sp>
-      <p:graphicFrame>
-        <p:nvGraphicFramePr>
-          <p:cNvPr id="5" name="Diagram 4">
+              </a:endParaRPr>
+            </a:p>
+            <a:p>
+              <a:pPr marL="114300" lvl="1" indent="-114300" algn="ctr" defTabSz="622300">
+                <a:lnSpc>
+                  <a:spcPct val="90000"/>
+                </a:lnSpc>
+                <a:spcBef>
+                  <a:spcPct val="0"/>
+                </a:spcBef>
+                <a:spcAft>
+                  <a:spcPct val="15000"/>
+                </a:spcAft>
+                <a:buNone/>
+              </a:pPr>
+              <a:r>
+                <a:rPr lang="en-US" sz="1400" kern="1200">
+                  <a:solidFill>
+                    <a:schemeClr val="accent6">
+                      <a:lumMod val="75000"/>
+                    </a:schemeClr>
+                  </a:solidFill>
+                  <a:latin typeface="Times New Roman" panose="02020603050405020304" pitchFamily="18" charset="0"/>
+                  <a:cs typeface="Times New Roman" panose="02020603050405020304" pitchFamily="18" charset="0"/>
+                </a:rPr>
+                <a:t>Trade-bodies</a:t>
+              </a:r>
+              <a:endParaRPr lang="en-US" sz="1400" kern="1200" dirty="0">
+                <a:solidFill>
+                  <a:schemeClr val="accent6">
+                    <a:lumMod val="75000"/>
+                  </a:schemeClr>
+                </a:solidFill>
+                <a:latin typeface="Times New Roman" panose="02020603050405020304" pitchFamily="18" charset="0"/>
+                <a:cs typeface="Times New Roman" panose="02020603050405020304" pitchFamily="18" charset="0"/>
+              </a:endParaRPr>
+            </a:p>
+          </p:txBody>
+        </p:sp>
+        <p:sp>
+          <p:nvSpPr>
+            <p:cNvPr id="15" name="Shape 14">
+              <a:extLst>
+                <a:ext uri="{FF2B5EF4-FFF2-40B4-BE49-F238E27FC236}">
+                  <a16:creationId xmlns:a16="http://schemas.microsoft.com/office/drawing/2014/main" id="{AF27F270-45FF-601D-AA62-AC4A6D455520}"/>
+                </a:ext>
+              </a:extLst>
+            </p:cNvPr>
+            <p:cNvSpPr/>
+            <p:nvPr/>
+          </p:nvSpPr>
+          <p:spPr>
+            <a:xfrm>
+              <a:off x="4159086" y="2075524"/>
+              <a:ext cx="2990889" cy="2990889"/>
+            </a:xfrm>
+            <a:prstGeom prst="leftCircularArrow">
+              <a:avLst>
+                <a:gd name="adj1" fmla="val 6452"/>
+                <a:gd name="adj2" fmla="val 429999"/>
+                <a:gd name="adj3" fmla="val 10489124"/>
+                <a:gd name="adj4" fmla="val 14837806"/>
+                <a:gd name="adj5" fmla="val 7527"/>
+              </a:avLst>
+            </a:prstGeom>
+            <a:gradFill rotWithShape="0">
+              <a:gsLst>
+                <a:gs pos="0">
+                  <a:schemeClr val="bg1"/>
+                </a:gs>
+                <a:gs pos="37000">
+                  <a:schemeClr val="accent6">
+                    <a:lumMod val="20000"/>
+                    <a:lumOff val="80000"/>
+                  </a:schemeClr>
+                </a:gs>
+                <a:gs pos="58000">
+                  <a:schemeClr val="accent6">
+                    <a:lumMod val="20000"/>
+                    <a:lumOff val="80000"/>
+                  </a:schemeClr>
+                </a:gs>
+                <a:gs pos="100000">
+                  <a:schemeClr val="bg1"/>
+                </a:gs>
+              </a:gsLst>
+              <a:path path="circle">
+                <a:fillToRect l="50000" t="50000" r="50000" b="50000"/>
+              </a:path>
+            </a:gradFill>
+            <a:scene3d>
+              <a:camera prst="orthographicFront">
+                <a:rot lat="0" lon="0" rev="0"/>
+              </a:camera>
+              <a:lightRig rig="contrasting" dir="t">
+                <a:rot lat="0" lon="0" rev="1200000"/>
+              </a:lightRig>
+            </a:scene3d>
+            <a:sp3d z="-182000" contourW="19050" prstMaterial="metal">
+              <a:bevelT w="88900" h="203200"/>
+              <a:bevelB w="165100" h="254000"/>
+            </a:sp3d>
+          </p:spPr>
+          <p:style>
+            <a:lnRef idx="0">
+              <a:schemeClr val="lt1">
+                <a:hueOff val="0"/>
+                <a:satOff val="0"/>
+                <a:lumOff val="0"/>
+                <a:alphaOff val="0"/>
+              </a:schemeClr>
+            </a:lnRef>
+            <a:fillRef idx="1">
+              <a:scrgbClr r="0" g="0" b="0"/>
+            </a:fillRef>
+            <a:effectRef idx="0">
+              <a:schemeClr val="accent3">
+                <a:hueOff val="0"/>
+                <a:satOff val="0"/>
+                <a:lumOff val="0"/>
+                <a:alphaOff val="0"/>
+              </a:schemeClr>
+            </a:effectRef>
+            <a:fontRef idx="minor">
+              <a:schemeClr val="lt1"/>
+            </a:fontRef>
+          </p:style>
+          <p:txBody>
+            <a:bodyPr/>
+            <a:lstStyle/>
+            <a:p>
+              <a:endParaRPr lang="en-US"/>
+            </a:p>
+          </p:txBody>
+        </p:sp>
+      </p:grpSp>
+      <p:grpSp>
+        <p:nvGrpSpPr>
+          <p:cNvPr id="19" name="Group 18">
             <a:extLst>
               <a:ext uri="{FF2B5EF4-FFF2-40B4-BE49-F238E27FC236}">
-                <a16:creationId xmlns:a16="http://schemas.microsoft.com/office/drawing/2014/main" id="{637987E0-638A-25A9-D68B-7730251DED55}"/>
+                <a16:creationId xmlns:a16="http://schemas.microsoft.com/office/drawing/2014/main" id="{04C97991-8341-5264-C267-4B407E67201C}"/>
               </a:ext>
             </a:extLst>
           </p:cNvPr>
-          <p:cNvGraphicFramePr/>
-          <p:nvPr>
-            <p:extLst>
-              <p:ext uri="{D42A27DB-BD31-4B8C-83A1-F6EECF244321}">
-                <p14:modId xmlns:p14="http://schemas.microsoft.com/office/powerpoint/2010/main" val="189074555"/>
-              </p:ext>
-            </p:extLst>
-          </p:nvPr>
-        </p:nvGraphicFramePr>
-        <p:xfrm>
-          <a:off x="3356246" y="888030"/>
-          <a:ext cx="7640410" cy="5400000"/>
-        </p:xfrm>
-        <a:graphic>
-          <a:graphicData uri="http://schemas.openxmlformats.org/drawingml/2006/diagram">
-            <dgm:relIds xmlns:dgm="http://schemas.openxmlformats.org/drawingml/2006/diagram" xmlns:r="http://schemas.openxmlformats.org/officeDocument/2006/relationships" r:dm="rId2" r:lo="rId3" r:qs="rId4" r:cs="rId5"/>
-          </a:graphicData>
-        </a:graphic>
-      </p:graphicFrame>
+          <p:cNvGrpSpPr/>
+          <p:nvPr/>
+        </p:nvGrpSpPr>
+        <p:grpSpPr>
+          <a:xfrm>
+            <a:off x="5682790" y="177305"/>
+            <a:ext cx="4963003" cy="3224780"/>
+            <a:chOff x="5353250" y="477465"/>
+            <a:chExt cx="4963003" cy="3224780"/>
+          </a:xfrm>
+        </p:grpSpPr>
+        <p:sp>
+          <p:nvSpPr>
+            <p:cNvPr id="12" name="Freeform: Shape 11">
+              <a:extLst>
+                <a:ext uri="{FF2B5EF4-FFF2-40B4-BE49-F238E27FC236}">
+                  <a16:creationId xmlns:a16="http://schemas.microsoft.com/office/drawing/2014/main" id="{0A90C43F-A3CE-8A43-A5FA-285D15CA975E}"/>
+                </a:ext>
+              </a:extLst>
+            </p:cNvPr>
+            <p:cNvSpPr/>
+            <p:nvPr/>
+          </p:nvSpPr>
+          <p:spPr>
+            <a:xfrm>
+              <a:off x="5625815" y="728998"/>
+              <a:ext cx="2806700" cy="2806700"/>
+            </a:xfrm>
+            <a:custGeom>
+              <a:avLst/>
+              <a:gdLst>
+                <a:gd name="connsiteX0" fmla="*/ 1714728 w 2291660"/>
+                <a:gd name="connsiteY0" fmla="*/ 580419 h 2291660"/>
+                <a:gd name="connsiteX1" fmla="*/ 2052825 w 2291660"/>
+                <a:gd name="connsiteY1" fmla="*/ 478523 h 2291660"/>
+                <a:gd name="connsiteX2" fmla="*/ 2177232 w 2291660"/>
+                <a:gd name="connsiteY2" fmla="*/ 694003 h 2291660"/>
+                <a:gd name="connsiteX3" fmla="*/ 1919939 w 2291660"/>
+                <a:gd name="connsiteY3" fmla="*/ 935856 h 2291660"/>
+                <a:gd name="connsiteX4" fmla="*/ 1919939 w 2291660"/>
+                <a:gd name="connsiteY4" fmla="*/ 1355805 h 2291660"/>
+                <a:gd name="connsiteX5" fmla="*/ 2177232 w 2291660"/>
+                <a:gd name="connsiteY5" fmla="*/ 1597657 h 2291660"/>
+                <a:gd name="connsiteX6" fmla="*/ 2052825 w 2291660"/>
+                <a:gd name="connsiteY6" fmla="*/ 1813137 h 2291660"/>
+                <a:gd name="connsiteX7" fmla="*/ 1714728 w 2291660"/>
+                <a:gd name="connsiteY7" fmla="*/ 1711241 h 2291660"/>
+                <a:gd name="connsiteX8" fmla="*/ 1351041 w 2291660"/>
+                <a:gd name="connsiteY8" fmla="*/ 1921216 h 2291660"/>
+                <a:gd name="connsiteX9" fmla="*/ 1270237 w 2291660"/>
+                <a:gd name="connsiteY9" fmla="*/ 2264964 h 2291660"/>
+                <a:gd name="connsiteX10" fmla="*/ 1021423 w 2291660"/>
+                <a:gd name="connsiteY10" fmla="*/ 2264964 h 2291660"/>
+                <a:gd name="connsiteX11" fmla="*/ 940619 w 2291660"/>
+                <a:gd name="connsiteY11" fmla="*/ 1921215 h 2291660"/>
+                <a:gd name="connsiteX12" fmla="*/ 576932 w 2291660"/>
+                <a:gd name="connsiteY12" fmla="*/ 1711240 h 2291660"/>
+                <a:gd name="connsiteX13" fmla="*/ 238835 w 2291660"/>
+                <a:gd name="connsiteY13" fmla="*/ 1813137 h 2291660"/>
+                <a:gd name="connsiteX14" fmla="*/ 114428 w 2291660"/>
+                <a:gd name="connsiteY14" fmla="*/ 1597657 h 2291660"/>
+                <a:gd name="connsiteX15" fmla="*/ 371721 w 2291660"/>
+                <a:gd name="connsiteY15" fmla="*/ 1355804 h 2291660"/>
+                <a:gd name="connsiteX16" fmla="*/ 371721 w 2291660"/>
+                <a:gd name="connsiteY16" fmla="*/ 935855 h 2291660"/>
+                <a:gd name="connsiteX17" fmla="*/ 114428 w 2291660"/>
+                <a:gd name="connsiteY17" fmla="*/ 694003 h 2291660"/>
+                <a:gd name="connsiteX18" fmla="*/ 238835 w 2291660"/>
+                <a:gd name="connsiteY18" fmla="*/ 478523 h 2291660"/>
+                <a:gd name="connsiteX19" fmla="*/ 576932 w 2291660"/>
+                <a:gd name="connsiteY19" fmla="*/ 580419 h 2291660"/>
+                <a:gd name="connsiteX20" fmla="*/ 940619 w 2291660"/>
+                <a:gd name="connsiteY20" fmla="*/ 370444 h 2291660"/>
+                <a:gd name="connsiteX21" fmla="*/ 1021423 w 2291660"/>
+                <a:gd name="connsiteY21" fmla="*/ 26696 h 2291660"/>
+                <a:gd name="connsiteX22" fmla="*/ 1270237 w 2291660"/>
+                <a:gd name="connsiteY22" fmla="*/ 26696 h 2291660"/>
+                <a:gd name="connsiteX23" fmla="*/ 1351041 w 2291660"/>
+                <a:gd name="connsiteY23" fmla="*/ 370445 h 2291660"/>
+                <a:gd name="connsiteX24" fmla="*/ 1714728 w 2291660"/>
+                <a:gd name="connsiteY24" fmla="*/ 580420 h 2291660"/>
+                <a:gd name="connsiteX25" fmla="*/ 1714728 w 2291660"/>
+                <a:gd name="connsiteY25" fmla="*/ 580419 h 2291660"/>
+              </a:gdLst>
+              <a:ahLst/>
+              <a:cxnLst>
+                <a:cxn ang="0">
+                  <a:pos x="connsiteX0" y="connsiteY0"/>
+                </a:cxn>
+                <a:cxn ang="0">
+                  <a:pos x="connsiteX1" y="connsiteY1"/>
+                </a:cxn>
+                <a:cxn ang="0">
+                  <a:pos x="connsiteX2" y="connsiteY2"/>
+                </a:cxn>
+                <a:cxn ang="0">
+                  <a:pos x="connsiteX3" y="connsiteY3"/>
+                </a:cxn>
+                <a:cxn ang="0">
+                  <a:pos x="connsiteX4" y="connsiteY4"/>
+                </a:cxn>
+                <a:cxn ang="0">
+                  <a:pos x="connsiteX5" y="connsiteY5"/>
+                </a:cxn>
+                <a:cxn ang="0">
+                  <a:pos x="connsiteX6" y="connsiteY6"/>
+                </a:cxn>
+                <a:cxn ang="0">
+                  <a:pos x="connsiteX7" y="connsiteY7"/>
+                </a:cxn>
+                <a:cxn ang="0">
+                  <a:pos x="connsiteX8" y="connsiteY8"/>
+                </a:cxn>
+                <a:cxn ang="0">
+                  <a:pos x="connsiteX9" y="connsiteY9"/>
+                </a:cxn>
+                <a:cxn ang="0">
+                  <a:pos x="connsiteX10" y="connsiteY10"/>
+                </a:cxn>
+                <a:cxn ang="0">
+                  <a:pos x="connsiteX11" y="connsiteY11"/>
+                </a:cxn>
+                <a:cxn ang="0">
+                  <a:pos x="connsiteX12" y="connsiteY12"/>
+                </a:cxn>
+                <a:cxn ang="0">
+                  <a:pos x="connsiteX13" y="connsiteY13"/>
+                </a:cxn>
+                <a:cxn ang="0">
+                  <a:pos x="connsiteX14" y="connsiteY14"/>
+                </a:cxn>
+                <a:cxn ang="0">
+                  <a:pos x="connsiteX15" y="connsiteY15"/>
+                </a:cxn>
+                <a:cxn ang="0">
+                  <a:pos x="connsiteX16" y="connsiteY16"/>
+                </a:cxn>
+                <a:cxn ang="0">
+                  <a:pos x="connsiteX17" y="connsiteY17"/>
+                </a:cxn>
+                <a:cxn ang="0">
+                  <a:pos x="connsiteX18" y="connsiteY18"/>
+                </a:cxn>
+                <a:cxn ang="0">
+                  <a:pos x="connsiteX19" y="connsiteY19"/>
+                </a:cxn>
+                <a:cxn ang="0">
+                  <a:pos x="connsiteX20" y="connsiteY20"/>
+                </a:cxn>
+                <a:cxn ang="0">
+                  <a:pos x="connsiteX21" y="connsiteY21"/>
+                </a:cxn>
+                <a:cxn ang="0">
+                  <a:pos x="connsiteX22" y="connsiteY22"/>
+                </a:cxn>
+                <a:cxn ang="0">
+                  <a:pos x="connsiteX23" y="connsiteY23"/>
+                </a:cxn>
+                <a:cxn ang="0">
+                  <a:pos x="connsiteX24" y="connsiteY24"/>
+                </a:cxn>
+                <a:cxn ang="0">
+                  <a:pos x="connsiteX25" y="connsiteY25"/>
+                </a:cxn>
+              </a:cxnLst>
+              <a:rect l="l" t="t" r="r" b="b"/>
+              <a:pathLst>
+                <a:path w="2291660" h="2291660">
+                  <a:moveTo>
+                    <a:pt x="1475020" y="579682"/>
+                  </a:moveTo>
+                  <a:lnTo>
+                    <a:pt x="1720136" y="427871"/>
+                  </a:lnTo>
+                  <a:lnTo>
+                    <a:pt x="1863789" y="571525"/>
+                  </a:lnTo>
+                  <a:lnTo>
+                    <a:pt x="1711978" y="816640"/>
+                  </a:lnTo>
+                  <a:cubicBezTo>
+                    <a:pt x="1770449" y="917201"/>
+                    <a:pt x="1801081" y="1031520"/>
+                    <a:pt x="1800723" y="1147844"/>
+                  </a:cubicBezTo>
+                  <a:lnTo>
+                    <a:pt x="2054753" y="1284214"/>
+                  </a:lnTo>
+                  <a:lnTo>
+                    <a:pt x="2002173" y="1480448"/>
+                  </a:lnTo>
+                  <a:lnTo>
+                    <a:pt x="1713991" y="1471533"/>
+                  </a:lnTo>
+                  <a:cubicBezTo>
+                    <a:pt x="1656139" y="1572451"/>
+                    <a:pt x="1572451" y="1656138"/>
+                    <a:pt x="1471533" y="1713991"/>
+                  </a:cubicBezTo>
+                  <a:lnTo>
+                    <a:pt x="1480447" y="2002173"/>
+                  </a:lnTo>
+                  <a:lnTo>
+                    <a:pt x="1284214" y="2054753"/>
+                  </a:lnTo>
+                  <a:lnTo>
+                    <a:pt x="1147843" y="1800723"/>
+                  </a:lnTo>
+                  <a:cubicBezTo>
+                    <a:pt x="1031520" y="1801080"/>
+                    <a:pt x="917200" y="1770448"/>
+                    <a:pt x="816640" y="1711977"/>
+                  </a:cubicBezTo>
+                  <a:lnTo>
+                    <a:pt x="571524" y="1863789"/>
+                  </a:lnTo>
+                  <a:lnTo>
+                    <a:pt x="427871" y="1720135"/>
+                  </a:lnTo>
+                  <a:lnTo>
+                    <a:pt x="579682" y="1475020"/>
+                  </a:lnTo>
+                  <a:cubicBezTo>
+                    <a:pt x="521211" y="1374459"/>
+                    <a:pt x="490579" y="1260140"/>
+                    <a:pt x="490937" y="1143816"/>
+                  </a:cubicBezTo>
+                  <a:lnTo>
+                    <a:pt x="236907" y="1007446"/>
+                  </a:lnTo>
+                  <a:lnTo>
+                    <a:pt x="289487" y="811212"/>
+                  </a:lnTo>
+                  <a:lnTo>
+                    <a:pt x="577669" y="820127"/>
+                  </a:lnTo>
+                  <a:cubicBezTo>
+                    <a:pt x="635521" y="719209"/>
+                    <a:pt x="719209" y="635522"/>
+                    <a:pt x="820127" y="577669"/>
+                  </a:cubicBezTo>
+                  <a:lnTo>
+                    <a:pt x="811213" y="289487"/>
+                  </a:lnTo>
+                  <a:lnTo>
+                    <a:pt x="1007446" y="236907"/>
+                  </a:lnTo>
+                  <a:lnTo>
+                    <a:pt x="1143817" y="490937"/>
+                  </a:lnTo>
+                  <a:cubicBezTo>
+                    <a:pt x="1260140" y="490580"/>
+                    <a:pt x="1374460" y="521212"/>
+                    <a:pt x="1475020" y="579683"/>
+                  </a:cubicBezTo>
+                  <a:lnTo>
+                    <a:pt x="1475020" y="579682"/>
+                  </a:lnTo>
+                  <a:close/>
+                </a:path>
+              </a:pathLst>
+            </a:custGeom>
+            <a:gradFill flip="none" rotWithShape="1">
+              <a:gsLst>
+                <a:gs pos="0">
+                  <a:schemeClr val="accent4">
+                    <a:lumMod val="5000"/>
+                    <a:lumOff val="95000"/>
+                  </a:schemeClr>
+                </a:gs>
+                <a:gs pos="37000">
+                  <a:schemeClr val="accent4">
+                    <a:lumMod val="20000"/>
+                    <a:lumOff val="80000"/>
+                  </a:schemeClr>
+                </a:gs>
+                <a:gs pos="65000">
+                  <a:schemeClr val="accent1">
+                    <a:lumMod val="20000"/>
+                    <a:lumOff val="80000"/>
+                  </a:schemeClr>
+                </a:gs>
+                <a:gs pos="100000">
+                  <a:schemeClr val="bg1"/>
+                </a:gs>
+              </a:gsLst>
+              <a:path path="circle">
+                <a:fillToRect l="50000" t="50000" r="50000" b="50000"/>
+              </a:path>
+              <a:tileRect/>
+            </a:gradFill>
+            <a:ln>
+              <a:noFill/>
+            </a:ln>
+            <a:scene3d>
+              <a:camera prst="orthographicFront">
+                <a:rot lat="0" lon="0" rev="0"/>
+              </a:camera>
+              <a:lightRig rig="contrasting" dir="t">
+                <a:rot lat="0" lon="0" rev="1200000"/>
+              </a:lightRig>
+            </a:scene3d>
+            <a:sp3d contourW="19050" prstMaterial="metal">
+              <a:bevelT w="88900" h="203200"/>
+              <a:bevelB w="165100" h="254000"/>
+            </a:sp3d>
+          </p:spPr>
+          <p:style>
+            <a:lnRef idx="0">
+              <a:scrgbClr r="0" g="0" b="0"/>
+            </a:lnRef>
+            <a:fillRef idx="1">
+              <a:scrgbClr r="0" g="0" b="0"/>
+            </a:fillRef>
+            <a:effectRef idx="2">
+              <a:schemeClr val="accent4">
+                <a:hueOff val="0"/>
+                <a:satOff val="0"/>
+                <a:lumOff val="0"/>
+                <a:alphaOff val="0"/>
+              </a:schemeClr>
+            </a:effectRef>
+            <a:fontRef idx="minor">
+              <a:schemeClr val="lt1"/>
+            </a:fontRef>
+          </p:style>
+          <p:txBody>
+            <a:bodyPr spcFirstLastPara="0" vert="horz" wrap="square" lIns="785548" tIns="785548" rIns="785548" bIns="785548" numCol="1" spcCol="1270" anchor="ctr" anchorCtr="0">
+              <a:noAutofit/>
+            </a:bodyPr>
+            <a:lstStyle/>
+            <a:p>
+              <a:pPr marL="0" lvl="0" indent="0" algn="ctr" defTabSz="889000">
+                <a:lnSpc>
+                  <a:spcPct val="90000"/>
+                </a:lnSpc>
+                <a:spcBef>
+                  <a:spcPct val="0"/>
+                </a:spcBef>
+                <a:spcAft>
+                  <a:spcPct val="35000"/>
+                </a:spcAft>
+                <a:buNone/>
+              </a:pPr>
+              <a:r>
+                <a:rPr lang="en-US" sz="2000" b="1" kern="1200" dirty="0">
+                  <a:solidFill>
+                    <a:schemeClr val="tx2">
+                      <a:lumMod val="90000"/>
+                      <a:lumOff val="10000"/>
+                    </a:schemeClr>
+                  </a:solidFill>
+                  <a:latin typeface="Times New Roman" panose="02020603050405020304" pitchFamily="18" charset="0"/>
+                  <a:cs typeface="Times New Roman" panose="02020603050405020304" pitchFamily="18" charset="0"/>
+                </a:rPr>
+                <a:t>Prospect</a:t>
+              </a:r>
+            </a:p>
+          </p:txBody>
+        </p:sp>
+        <p:sp>
+          <p:nvSpPr>
+            <p:cNvPr id="13" name="Freeform: Shape 12">
+              <a:extLst>
+                <a:ext uri="{FF2B5EF4-FFF2-40B4-BE49-F238E27FC236}">
+                  <a16:creationId xmlns:a16="http://schemas.microsoft.com/office/drawing/2014/main" id="{6231A184-5952-317B-3F05-3FBC72B50A87}"/>
+                </a:ext>
+              </a:extLst>
+            </p:cNvPr>
+            <p:cNvSpPr/>
+            <p:nvPr/>
+          </p:nvSpPr>
+          <p:spPr>
+            <a:xfrm>
+              <a:off x="8352730" y="828961"/>
+              <a:ext cx="1963523" cy="1227931"/>
+            </a:xfrm>
+            <a:custGeom>
+              <a:avLst/>
+              <a:gdLst>
+                <a:gd name="connsiteX0" fmla="*/ 0 w 1963523"/>
+                <a:gd name="connsiteY0" fmla="*/ 122793 h 1227931"/>
+                <a:gd name="connsiteX1" fmla="*/ 122793 w 1963523"/>
+                <a:gd name="connsiteY1" fmla="*/ 0 h 1227931"/>
+                <a:gd name="connsiteX2" fmla="*/ 1840730 w 1963523"/>
+                <a:gd name="connsiteY2" fmla="*/ 0 h 1227931"/>
+                <a:gd name="connsiteX3" fmla="*/ 1963523 w 1963523"/>
+                <a:gd name="connsiteY3" fmla="*/ 122793 h 1227931"/>
+                <a:gd name="connsiteX4" fmla="*/ 1963523 w 1963523"/>
+                <a:gd name="connsiteY4" fmla="*/ 1105138 h 1227931"/>
+                <a:gd name="connsiteX5" fmla="*/ 1840730 w 1963523"/>
+                <a:gd name="connsiteY5" fmla="*/ 1227931 h 1227931"/>
+                <a:gd name="connsiteX6" fmla="*/ 122793 w 1963523"/>
+                <a:gd name="connsiteY6" fmla="*/ 1227931 h 1227931"/>
+                <a:gd name="connsiteX7" fmla="*/ 0 w 1963523"/>
+                <a:gd name="connsiteY7" fmla="*/ 1105138 h 1227931"/>
+                <a:gd name="connsiteX8" fmla="*/ 0 w 1963523"/>
+                <a:gd name="connsiteY8" fmla="*/ 122793 h 1227931"/>
+              </a:gdLst>
+              <a:ahLst/>
+              <a:cxnLst>
+                <a:cxn ang="0">
+                  <a:pos x="connsiteX0" y="connsiteY0"/>
+                </a:cxn>
+                <a:cxn ang="0">
+                  <a:pos x="connsiteX1" y="connsiteY1"/>
+                </a:cxn>
+                <a:cxn ang="0">
+                  <a:pos x="connsiteX2" y="connsiteY2"/>
+                </a:cxn>
+                <a:cxn ang="0">
+                  <a:pos x="connsiteX3" y="connsiteY3"/>
+                </a:cxn>
+                <a:cxn ang="0">
+                  <a:pos x="connsiteX4" y="connsiteY4"/>
+                </a:cxn>
+                <a:cxn ang="0">
+                  <a:pos x="connsiteX5" y="connsiteY5"/>
+                </a:cxn>
+                <a:cxn ang="0">
+                  <a:pos x="connsiteX6" y="connsiteY6"/>
+                </a:cxn>
+                <a:cxn ang="0">
+                  <a:pos x="connsiteX7" y="connsiteY7"/>
+                </a:cxn>
+                <a:cxn ang="0">
+                  <a:pos x="connsiteX8" y="connsiteY8"/>
+                </a:cxn>
+              </a:cxnLst>
+              <a:rect l="l" t="t" r="r" b="b"/>
+              <a:pathLst>
+                <a:path w="1963523" h="1227931">
+                  <a:moveTo>
+                    <a:pt x="0" y="122793"/>
+                  </a:moveTo>
+                  <a:cubicBezTo>
+                    <a:pt x="0" y="54976"/>
+                    <a:pt x="54976" y="0"/>
+                    <a:pt x="122793" y="0"/>
+                  </a:cubicBezTo>
+                  <a:lnTo>
+                    <a:pt x="1840730" y="0"/>
+                  </a:lnTo>
+                  <a:cubicBezTo>
+                    <a:pt x="1908547" y="0"/>
+                    <a:pt x="1963523" y="54976"/>
+                    <a:pt x="1963523" y="122793"/>
+                  </a:cubicBezTo>
+                  <a:lnTo>
+                    <a:pt x="1963523" y="1105138"/>
+                  </a:lnTo>
+                  <a:cubicBezTo>
+                    <a:pt x="1963523" y="1172955"/>
+                    <a:pt x="1908547" y="1227931"/>
+                    <a:pt x="1840730" y="1227931"/>
+                  </a:cubicBezTo>
+                  <a:lnTo>
+                    <a:pt x="122793" y="1227931"/>
+                  </a:lnTo>
+                  <a:cubicBezTo>
+                    <a:pt x="54976" y="1227931"/>
+                    <a:pt x="0" y="1172955"/>
+                    <a:pt x="0" y="1105138"/>
+                  </a:cubicBezTo>
+                  <a:lnTo>
+                    <a:pt x="0" y="122793"/>
+                  </a:lnTo>
+                  <a:close/>
+                </a:path>
+              </a:pathLst>
+            </a:custGeom>
+            <a:ln>
+              <a:solidFill>
+                <a:schemeClr val="accent1">
+                  <a:lumMod val="60000"/>
+                  <a:lumOff val="40000"/>
+                </a:schemeClr>
+              </a:solidFill>
+            </a:ln>
+            <a:scene3d>
+              <a:camera prst="orthographicFront">
+                <a:rot lat="0" lon="0" rev="0"/>
+              </a:camera>
+              <a:lightRig rig="contrasting" dir="t">
+                <a:rot lat="0" lon="0" rev="1200000"/>
+              </a:lightRig>
+            </a:scene3d>
+            <a:sp3d z="300000" contourW="19050" prstMaterial="metal">
+              <a:bevelT w="88900" h="203200"/>
+              <a:bevelB w="165100" h="254000"/>
+            </a:sp3d>
+          </p:spPr>
+          <p:style>
+            <a:lnRef idx="0">
+              <a:scrgbClr r="0" g="0" b="0"/>
+            </a:lnRef>
+            <a:fillRef idx="1">
+              <a:schemeClr val="lt1">
+                <a:alpha val="90000"/>
+                <a:hueOff val="0"/>
+                <a:satOff val="0"/>
+                <a:lumOff val="0"/>
+                <a:alphaOff val="0"/>
+              </a:schemeClr>
+            </a:fillRef>
+            <a:effectRef idx="0">
+              <a:schemeClr val="lt1">
+                <a:alpha val="90000"/>
+                <a:hueOff val="0"/>
+                <a:satOff val="0"/>
+                <a:lumOff val="0"/>
+                <a:alphaOff val="0"/>
+              </a:schemeClr>
+            </a:effectRef>
+            <a:fontRef idx="minor">
+              <a:schemeClr val="dk1">
+                <a:hueOff val="0"/>
+                <a:satOff val="0"/>
+                <a:lumOff val="0"/>
+                <a:alphaOff val="0"/>
+              </a:schemeClr>
+            </a:fontRef>
+          </p:style>
+          <p:txBody>
+            <a:bodyPr spcFirstLastPara="0" vert="horz" wrap="square" lIns="89305" tIns="89305" rIns="89305" bIns="89305" numCol="1" spcCol="1270" anchor="ctr" anchorCtr="0">
+              <a:noAutofit/>
+            </a:bodyPr>
+            <a:lstStyle/>
+            <a:p>
+              <a:pPr marL="114300" lvl="1" indent="-114300" algn="ctr" defTabSz="622300">
+                <a:lnSpc>
+                  <a:spcPct val="90000"/>
+                </a:lnSpc>
+                <a:spcBef>
+                  <a:spcPct val="0"/>
+                </a:spcBef>
+                <a:spcAft>
+                  <a:spcPct val="15000"/>
+                </a:spcAft>
+                <a:buNone/>
+              </a:pPr>
+              <a:r>
+                <a:rPr lang="en-US" sz="1400" kern="1200">
+                  <a:solidFill>
+                    <a:schemeClr val="accent1">
+                      <a:lumMod val="60000"/>
+                      <a:lumOff val="40000"/>
+                    </a:schemeClr>
+                  </a:solidFill>
+                  <a:latin typeface="Times New Roman" panose="02020603050405020304" pitchFamily="18" charset="0"/>
+                  <a:cs typeface="Times New Roman" panose="02020603050405020304" pitchFamily="18" charset="0"/>
+                </a:rPr>
+                <a:t>Sectors (4) </a:t>
+              </a:r>
+              <a:endParaRPr lang="en-US" sz="1400" kern="1200" dirty="0">
+                <a:solidFill>
+                  <a:schemeClr val="accent1">
+                    <a:lumMod val="60000"/>
+                    <a:lumOff val="40000"/>
+                  </a:schemeClr>
+                </a:solidFill>
+                <a:latin typeface="Times New Roman" panose="02020603050405020304" pitchFamily="18" charset="0"/>
+                <a:cs typeface="Times New Roman" panose="02020603050405020304" pitchFamily="18" charset="0"/>
+              </a:endParaRPr>
+            </a:p>
+            <a:p>
+              <a:pPr marL="114300" lvl="1" indent="-114300" algn="ctr" defTabSz="622300">
+                <a:lnSpc>
+                  <a:spcPct val="90000"/>
+                </a:lnSpc>
+                <a:spcBef>
+                  <a:spcPct val="0"/>
+                </a:spcBef>
+                <a:spcAft>
+                  <a:spcPct val="15000"/>
+                </a:spcAft>
+                <a:buNone/>
+              </a:pPr>
+              <a:r>
+                <a:rPr lang="en-US" sz="1400" kern="1200">
+                  <a:solidFill>
+                    <a:schemeClr val="accent1">
+                      <a:lumMod val="60000"/>
+                      <a:lumOff val="40000"/>
+                    </a:schemeClr>
+                  </a:solidFill>
+                  <a:latin typeface="Times New Roman" panose="02020603050405020304" pitchFamily="18" charset="0"/>
+                  <a:cs typeface="Times New Roman" panose="02020603050405020304" pitchFamily="18" charset="0"/>
+                </a:rPr>
+                <a:t>Geographies (4)</a:t>
+              </a:r>
+              <a:endParaRPr lang="en-US" sz="1400" kern="1200" dirty="0">
+                <a:solidFill>
+                  <a:schemeClr val="accent1">
+                    <a:lumMod val="60000"/>
+                    <a:lumOff val="40000"/>
+                  </a:schemeClr>
+                </a:solidFill>
+                <a:latin typeface="Times New Roman" panose="02020603050405020304" pitchFamily="18" charset="0"/>
+                <a:cs typeface="Times New Roman" panose="02020603050405020304" pitchFamily="18" charset="0"/>
+              </a:endParaRPr>
+            </a:p>
+            <a:p>
+              <a:pPr marL="114300" lvl="1" indent="-114300" algn="ctr" defTabSz="622300">
+                <a:lnSpc>
+                  <a:spcPct val="90000"/>
+                </a:lnSpc>
+                <a:spcBef>
+                  <a:spcPct val="0"/>
+                </a:spcBef>
+                <a:spcAft>
+                  <a:spcPct val="15000"/>
+                </a:spcAft>
+                <a:buNone/>
+              </a:pPr>
+              <a:r>
+                <a:rPr lang="en-US" sz="1400" kern="1200">
+                  <a:solidFill>
+                    <a:schemeClr val="accent1">
+                      <a:lumMod val="60000"/>
+                      <a:lumOff val="40000"/>
+                    </a:schemeClr>
+                  </a:solidFill>
+                  <a:latin typeface="Times New Roman" panose="02020603050405020304" pitchFamily="18" charset="0"/>
+                  <a:cs typeface="Times New Roman" panose="02020603050405020304" pitchFamily="18" charset="0"/>
+                </a:rPr>
+                <a:t>Metrics (4)</a:t>
+              </a:r>
+              <a:endParaRPr lang="en-US" sz="1400" kern="1200" dirty="0">
+                <a:solidFill>
+                  <a:schemeClr val="accent1">
+                    <a:lumMod val="60000"/>
+                    <a:lumOff val="40000"/>
+                  </a:schemeClr>
+                </a:solidFill>
+                <a:latin typeface="Times New Roman" panose="02020603050405020304" pitchFamily="18" charset="0"/>
+                <a:cs typeface="Times New Roman" panose="02020603050405020304" pitchFamily="18" charset="0"/>
+              </a:endParaRPr>
+            </a:p>
+          </p:txBody>
+        </p:sp>
+        <p:sp>
+          <p:nvSpPr>
+            <p:cNvPr id="16" name="Arrow: Circular 15">
+              <a:extLst>
+                <a:ext uri="{FF2B5EF4-FFF2-40B4-BE49-F238E27FC236}">
+                  <a16:creationId xmlns:a16="http://schemas.microsoft.com/office/drawing/2014/main" id="{BEAC2DBB-B6F9-0F63-5BEE-C7731834FD90}"/>
+                </a:ext>
+              </a:extLst>
+            </p:cNvPr>
+            <p:cNvSpPr/>
+            <p:nvPr/>
+          </p:nvSpPr>
+          <p:spPr>
+            <a:xfrm>
+              <a:off x="5353250" y="477465"/>
+              <a:ext cx="3224780" cy="3224780"/>
+            </a:xfrm>
+            <a:prstGeom prst="circularArrow">
+              <a:avLst>
+                <a:gd name="adj1" fmla="val 5984"/>
+                <a:gd name="adj2" fmla="val 394124"/>
+                <a:gd name="adj3" fmla="val 13313824"/>
+                <a:gd name="adj4" fmla="val 10508221"/>
+                <a:gd name="adj5" fmla="val 6981"/>
+              </a:avLst>
+            </a:prstGeom>
+            <a:gradFill rotWithShape="0">
+              <a:gsLst>
+                <a:gs pos="0">
+                  <a:schemeClr val="accent4">
+                    <a:lumMod val="5000"/>
+                    <a:lumOff val="95000"/>
+                  </a:schemeClr>
+                </a:gs>
+                <a:gs pos="37000">
+                  <a:schemeClr val="accent4">
+                    <a:lumMod val="20000"/>
+                    <a:lumOff val="80000"/>
+                  </a:schemeClr>
+                </a:gs>
+                <a:gs pos="65000">
+                  <a:schemeClr val="accent1">
+                    <a:lumMod val="20000"/>
+                    <a:lumOff val="80000"/>
+                  </a:schemeClr>
+                </a:gs>
+                <a:gs pos="100000">
+                  <a:schemeClr val="bg1"/>
+                </a:gs>
+              </a:gsLst>
+              <a:path path="circle">
+                <a:fillToRect l="50000" t="50000" r="50000" b="50000"/>
+              </a:path>
+            </a:gradFill>
+            <a:ln>
+              <a:noFill/>
+            </a:ln>
+            <a:scene3d>
+              <a:camera prst="orthographicFront">
+                <a:rot lat="0" lon="0" rev="0"/>
+              </a:camera>
+              <a:lightRig rig="contrasting" dir="t">
+                <a:rot lat="0" lon="0" rev="1200000"/>
+              </a:lightRig>
+            </a:scene3d>
+            <a:sp3d z="-182000" contourW="19050" prstMaterial="metal">
+              <a:bevelT w="88900" h="203200"/>
+              <a:bevelB w="165100" h="254000"/>
+            </a:sp3d>
+          </p:spPr>
+          <p:style>
+            <a:lnRef idx="0">
+              <a:scrgbClr r="0" g="0" b="0"/>
+            </a:lnRef>
+            <a:fillRef idx="1">
+              <a:scrgbClr r="0" g="0" b="0"/>
+            </a:fillRef>
+            <a:effectRef idx="0">
+              <a:schemeClr val="accent4">
+                <a:hueOff val="0"/>
+                <a:satOff val="0"/>
+                <a:lumOff val="0"/>
+                <a:alphaOff val="0"/>
+              </a:schemeClr>
+            </a:effectRef>
+            <a:fontRef idx="minor">
+              <a:schemeClr val="lt1"/>
+            </a:fontRef>
+          </p:style>
+          <p:txBody>
+            <a:bodyPr/>
+            <a:lstStyle/>
+            <a:p>
+              <a:endParaRPr lang="en-US"/>
+            </a:p>
+          </p:txBody>
+        </p:sp>
+      </p:grpSp>
     </p:spTree>
     <p:extLst>
       <p:ext uri="{BB962C8B-B14F-4D97-AF65-F5344CB8AC3E}">
-        <p14:creationId xmlns:p14="http://schemas.microsoft.com/office/powerpoint/2010/main" val="3873831934"/>
+        <p14:creationId xmlns:p14="http://schemas.microsoft.com/office/powerpoint/2010/main" val="1880363366"/>
       </p:ext>
     </p:extLst>
   </p:cSld>
   <p:clrMapOvr>
     <a:masterClrMapping/>
   </p:clrMapOvr>
+  <p:timing>
+    <p:tnLst>
+      <p:par>
+        <p:cTn id="1" dur="indefinite" restart="never" nodeType="tmRoot">
+          <p:childTnLst>
+            <p:seq concurrent="1" nextAc="seek">
+              <p:cTn id="2" dur="indefinite" nodeType="mainSeq">
+                <p:childTnLst>
+                  <p:par>
+                    <p:cTn id="3" fill="hold">
+                      <p:stCondLst>
+                        <p:cond delay="indefinite"/>
+                      </p:stCondLst>
+                      <p:childTnLst>
+                        <p:par>
+                          <p:cTn id="4" fill="hold">
+                            <p:stCondLst>
+                              <p:cond delay="0"/>
+                            </p:stCondLst>
+                            <p:childTnLst>
+                              <p:par>
+                                <p:cTn id="5" presetID="1" presetClass="entr" presetSubtype="0" fill="hold" nodeType="clickEffect">
+                                  <p:stCondLst>
+                                    <p:cond delay="0"/>
+                                  </p:stCondLst>
+                                  <p:childTnLst>
+                                    <p:set>
+                                      <p:cBhvr>
+                                        <p:cTn id="6" dur="1" fill="hold">
+                                          <p:stCondLst>
+                                            <p:cond delay="0"/>
+                                          </p:stCondLst>
+                                        </p:cTn>
+                                        <p:tgtEl>
+                                          <p:spTgt spid="17"/>
+                                        </p:tgtEl>
+                                        <p:attrNameLst>
+                                          <p:attrName>style.visibility</p:attrName>
+                                        </p:attrNameLst>
+                                      </p:cBhvr>
+                                      <p:to>
+                                        <p:strVal val="visible"/>
+                                      </p:to>
+                                    </p:set>
+                                  </p:childTnLst>
+                                </p:cTn>
+                              </p:par>
+                            </p:childTnLst>
+                          </p:cTn>
+                        </p:par>
+                      </p:childTnLst>
+                    </p:cTn>
+                  </p:par>
+                  <p:par>
+                    <p:cTn id="7" fill="hold">
+                      <p:stCondLst>
+                        <p:cond delay="indefinite"/>
+                      </p:stCondLst>
+                      <p:childTnLst>
+                        <p:par>
+                          <p:cTn id="8" fill="hold">
+                            <p:stCondLst>
+                              <p:cond delay="0"/>
+                            </p:stCondLst>
+                            <p:childTnLst>
+                              <p:par>
+                                <p:cTn id="9" presetID="1" presetClass="entr" presetSubtype="0" fill="hold" nodeType="clickEffect">
+                                  <p:stCondLst>
+                                    <p:cond delay="0"/>
+                                  </p:stCondLst>
+                                  <p:childTnLst>
+                                    <p:set>
+                                      <p:cBhvr>
+                                        <p:cTn id="10" dur="1" fill="hold">
+                                          <p:stCondLst>
+                                            <p:cond delay="0"/>
+                                          </p:stCondLst>
+                                        </p:cTn>
+                                        <p:tgtEl>
+                                          <p:spTgt spid="18"/>
+                                        </p:tgtEl>
+                                        <p:attrNameLst>
+                                          <p:attrName>style.visibility</p:attrName>
+                                        </p:attrNameLst>
+                                      </p:cBhvr>
+                                      <p:to>
+                                        <p:strVal val="visible"/>
+                                      </p:to>
+                                    </p:set>
+                                  </p:childTnLst>
+                                </p:cTn>
+                              </p:par>
+                            </p:childTnLst>
+                          </p:cTn>
+                        </p:par>
+                      </p:childTnLst>
+                    </p:cTn>
+                  </p:par>
+                  <p:par>
+                    <p:cTn id="11" fill="hold">
+                      <p:stCondLst>
+                        <p:cond delay="indefinite"/>
+                      </p:stCondLst>
+                      <p:childTnLst>
+                        <p:par>
+                          <p:cTn id="12" fill="hold">
+                            <p:stCondLst>
+                              <p:cond delay="0"/>
+                            </p:stCondLst>
+                            <p:childTnLst>
+                              <p:par>
+                                <p:cTn id="13" presetID="1" presetClass="entr" presetSubtype="0" fill="hold" nodeType="clickEffect">
+                                  <p:stCondLst>
+                                    <p:cond delay="0"/>
+                                  </p:stCondLst>
+                                  <p:childTnLst>
+                                    <p:set>
+                                      <p:cBhvr>
+                                        <p:cTn id="14" dur="1" fill="hold">
+                                          <p:stCondLst>
+                                            <p:cond delay="0"/>
+                                          </p:stCondLst>
+                                        </p:cTn>
+                                        <p:tgtEl>
+                                          <p:spTgt spid="19"/>
+                                        </p:tgtEl>
+                                        <p:attrNameLst>
+                                          <p:attrName>style.visibility</p:attrName>
+                                        </p:attrNameLst>
+                                      </p:cBhvr>
+                                      <p:to>
+                                        <p:strVal val="visible"/>
+                                      </p:to>
+                                    </p:set>
+                                  </p:childTnLst>
+                                </p:cTn>
+                              </p:par>
+                            </p:childTnLst>
+                          </p:cTn>
+                        </p:par>
+                      </p:childTnLst>
+                    </p:cTn>
+                  </p:par>
+                </p:childTnLst>
+              </p:cTn>
+              <p:prevCondLst>
+                <p:cond evt="onPrev" delay="0">
+                  <p:tgtEl>
+                    <p:sldTgt/>
+                  </p:tgtEl>
+                </p:cond>
+              </p:prevCondLst>
+              <p:nextCondLst>
+                <p:cond evt="onNext" delay="0">
+                  <p:tgtEl>
+                    <p:sldTgt/>
+                  </p:tgtEl>
+                </p:cond>
+              </p:nextCondLst>
+            </p:seq>
+          </p:childTnLst>
+        </p:cTn>
+      </p:par>
+    </p:tnLst>
+  </p:timing>
 </p:sld>
 </file>
 
@@ -38247,4 +41350,319 @@
     </a:ext>
   </a:extLst>
 </a:theme>
+</file>
+
+<file path=ppt/theme/theme2.xml><?xml version="1.0" encoding="utf-8"?>
+<a:theme xmlns:a="http://schemas.openxmlformats.org/drawingml/2006/main" name="Office Theme">
+  <a:themeElements>
+    <a:clrScheme name="Office">
+      <a:dk1>
+        <a:sysClr val="windowText" lastClr="000000"/>
+      </a:dk1>
+      <a:lt1>
+        <a:sysClr val="window" lastClr="FFFFFF"/>
+      </a:lt1>
+      <a:dk2>
+        <a:srgbClr val="0E2841"/>
+      </a:dk2>
+      <a:lt2>
+        <a:srgbClr val="E8E8E8"/>
+      </a:lt2>
+      <a:accent1>
+        <a:srgbClr val="156082"/>
+      </a:accent1>
+      <a:accent2>
+        <a:srgbClr val="E97132"/>
+      </a:accent2>
+      <a:accent3>
+        <a:srgbClr val="196B24"/>
+      </a:accent3>
+      <a:accent4>
+        <a:srgbClr val="0F9ED5"/>
+      </a:accent4>
+      <a:accent5>
+        <a:srgbClr val="A02B93"/>
+      </a:accent5>
+      <a:accent6>
+        <a:srgbClr val="4EA72E"/>
+      </a:accent6>
+      <a:hlink>
+        <a:srgbClr val="467886"/>
+      </a:hlink>
+      <a:folHlink>
+        <a:srgbClr val="96607D"/>
+      </a:folHlink>
+    </a:clrScheme>
+    <a:fontScheme name="Office">
+      <a:majorFont>
+        <a:latin typeface="Aptos Display" panose="02110004020202020204"/>
+        <a:ea typeface=""/>
+        <a:cs typeface=""/>
+        <a:font script="Jpan" typeface="游ゴシック Light"/>
+        <a:font script="Hang" typeface="맑은 고딕"/>
+        <a:font script="Hans" typeface="等线 Light"/>
+        <a:font script="Hant" typeface="新細明體"/>
+        <a:font script="Arab" typeface="Times New Roman"/>
+        <a:font script="Hebr" typeface="Times New Roman"/>
+        <a:font script="Thai" typeface="Angsana New"/>
+        <a:font script="Ethi" typeface="Nyala"/>
+        <a:font script="Beng" typeface="Vrinda"/>
+        <a:font script="Gujr" typeface="Shruti"/>
+        <a:font script="Khmr" typeface="MoolBoran"/>
+        <a:font script="Knda" typeface="Tunga"/>
+        <a:font script="Guru" typeface="Raavi"/>
+        <a:font script="Cans" typeface="Euphemia"/>
+        <a:font script="Cher" typeface="Plantagenet Cherokee"/>
+        <a:font script="Yiii" typeface="Microsoft Yi Baiti"/>
+        <a:font script="Tibt" typeface="Microsoft Himalaya"/>
+        <a:font script="Thaa" typeface="MV Boli"/>
+        <a:font script="Deva" typeface="Mangal"/>
+        <a:font script="Telu" typeface="Gautami"/>
+        <a:font script="Taml" typeface="Latha"/>
+        <a:font script="Syrc" typeface="Estrangelo Edessa"/>
+        <a:font script="Orya" typeface="Kalinga"/>
+        <a:font script="Mlym" typeface="Kartika"/>
+        <a:font script="Laoo" typeface="DokChampa"/>
+        <a:font script="Sinh" typeface="Iskoola Pota"/>
+        <a:font script="Mong" typeface="Mongolian Baiti"/>
+        <a:font script="Viet" typeface="Times New Roman"/>
+        <a:font script="Uigh" typeface="Microsoft Uighur"/>
+        <a:font script="Geor" typeface="Sylfaen"/>
+        <a:font script="Armn" typeface="Arial"/>
+        <a:font script="Bugi" typeface="Leelawadee UI"/>
+        <a:font script="Bopo" typeface="Microsoft JhengHei"/>
+        <a:font script="Java" typeface="Javanese Text"/>
+        <a:font script="Lisu" typeface="Segoe UI"/>
+        <a:font script="Mymr" typeface="Myanmar Text"/>
+        <a:font script="Nkoo" typeface="Ebrima"/>
+        <a:font script="Olck" typeface="Nirmala UI"/>
+        <a:font script="Osma" typeface="Ebrima"/>
+        <a:font script="Phag" typeface="Phagspa"/>
+        <a:font script="Syrn" typeface="Estrangelo Edessa"/>
+        <a:font script="Syrj" typeface="Estrangelo Edessa"/>
+        <a:font script="Syre" typeface="Estrangelo Edessa"/>
+        <a:font script="Sora" typeface="Nirmala UI"/>
+        <a:font script="Tale" typeface="Microsoft Tai Le"/>
+        <a:font script="Talu" typeface="Microsoft New Tai Lue"/>
+        <a:font script="Tfng" typeface="Ebrima"/>
+      </a:majorFont>
+      <a:minorFont>
+        <a:latin typeface="Aptos" panose="02110004020202020204"/>
+        <a:ea typeface=""/>
+        <a:cs typeface=""/>
+        <a:font script="Jpan" typeface="游ゴシック"/>
+        <a:font script="Hang" typeface="맑은 고딕"/>
+        <a:font script="Hans" typeface="等线"/>
+        <a:font script="Hant" typeface="新細明體"/>
+        <a:font script="Arab" typeface="Arial"/>
+        <a:font script="Hebr" typeface="Arial"/>
+        <a:font script="Thai" typeface="Cordia New"/>
+        <a:font script="Ethi" typeface="Nyala"/>
+        <a:font script="Beng" typeface="Vrinda"/>
+        <a:font script="Gujr" typeface="Shruti"/>
+        <a:font script="Khmr" typeface="DaunPenh"/>
+        <a:font script="Knda" typeface="Tunga"/>
+        <a:font script="Guru" typeface="Raavi"/>
+        <a:font script="Cans" typeface="Euphemia"/>
+        <a:font script="Cher" typeface="Plantagenet Cherokee"/>
+        <a:font script="Yiii" typeface="Microsoft Yi Baiti"/>
+        <a:font script="Tibt" typeface="Microsoft Himalaya"/>
+        <a:font script="Thaa" typeface="MV Boli"/>
+        <a:font script="Deva" typeface="Mangal"/>
+        <a:font script="Telu" typeface="Gautami"/>
+        <a:font script="Taml" typeface="Latha"/>
+        <a:font script="Syrc" typeface="Estrangelo Edessa"/>
+        <a:font script="Orya" typeface="Kalinga"/>
+        <a:font script="Mlym" typeface="Kartika"/>
+        <a:font script="Laoo" typeface="DokChampa"/>
+        <a:font script="Sinh" typeface="Iskoola Pota"/>
+        <a:font script="Mong" typeface="Mongolian Baiti"/>
+        <a:font script="Viet" typeface="Arial"/>
+        <a:font script="Uigh" typeface="Microsoft Uighur"/>
+        <a:font script="Geor" typeface="Sylfaen"/>
+        <a:font script="Armn" typeface="Arial"/>
+        <a:font script="Bugi" typeface="Leelawadee UI"/>
+        <a:font script="Bopo" typeface="Microsoft JhengHei"/>
+        <a:font script="Java" typeface="Javanese Text"/>
+        <a:font script="Lisu" typeface="Segoe UI"/>
+        <a:font script="Mymr" typeface="Myanmar Text"/>
+        <a:font script="Nkoo" typeface="Ebrima"/>
+        <a:font script="Olck" typeface="Nirmala UI"/>
+        <a:font script="Osma" typeface="Ebrima"/>
+        <a:font script="Phag" typeface="Phagspa"/>
+        <a:font script="Syrn" typeface="Estrangelo Edessa"/>
+        <a:font script="Syrj" typeface="Estrangelo Edessa"/>
+        <a:font script="Syre" typeface="Estrangelo Edessa"/>
+        <a:font script="Sora" typeface="Nirmala UI"/>
+        <a:font script="Tale" typeface="Microsoft Tai Le"/>
+        <a:font script="Talu" typeface="Microsoft New Tai Lue"/>
+        <a:font script="Tfng" typeface="Ebrima"/>
+      </a:minorFont>
+    </a:fontScheme>
+    <a:fmtScheme name="Office">
+      <a:fillStyleLst>
+        <a:solidFill>
+          <a:schemeClr val="phClr"/>
+        </a:solidFill>
+        <a:gradFill rotWithShape="1">
+          <a:gsLst>
+            <a:gs pos="0">
+              <a:schemeClr val="phClr">
+                <a:lumMod val="110000"/>
+                <a:satMod val="105000"/>
+                <a:tint val="67000"/>
+              </a:schemeClr>
+            </a:gs>
+            <a:gs pos="50000">
+              <a:schemeClr val="phClr">
+                <a:lumMod val="105000"/>
+                <a:satMod val="103000"/>
+                <a:tint val="73000"/>
+              </a:schemeClr>
+            </a:gs>
+            <a:gs pos="100000">
+              <a:schemeClr val="phClr">
+                <a:lumMod val="105000"/>
+                <a:satMod val="109000"/>
+                <a:tint val="81000"/>
+              </a:schemeClr>
+            </a:gs>
+          </a:gsLst>
+          <a:lin ang="5400000" scaled="0"/>
+        </a:gradFill>
+        <a:gradFill rotWithShape="1">
+          <a:gsLst>
+            <a:gs pos="0">
+              <a:schemeClr val="phClr">
+                <a:satMod val="103000"/>
+                <a:lumMod val="102000"/>
+                <a:tint val="94000"/>
+              </a:schemeClr>
+            </a:gs>
+            <a:gs pos="50000">
+              <a:schemeClr val="phClr">
+                <a:satMod val="110000"/>
+                <a:lumMod val="100000"/>
+                <a:shade val="100000"/>
+              </a:schemeClr>
+            </a:gs>
+            <a:gs pos="100000">
+              <a:schemeClr val="phClr">
+                <a:lumMod val="99000"/>
+                <a:satMod val="120000"/>
+                <a:shade val="78000"/>
+              </a:schemeClr>
+            </a:gs>
+          </a:gsLst>
+          <a:lin ang="5400000" scaled="0"/>
+        </a:gradFill>
+      </a:fillStyleLst>
+      <a:lnStyleLst>
+        <a:ln w="12700" cap="flat" cmpd="sng" algn="ctr">
+          <a:solidFill>
+            <a:schemeClr val="phClr"/>
+          </a:solidFill>
+          <a:prstDash val="solid"/>
+          <a:miter lim="800000"/>
+        </a:ln>
+        <a:ln w="19050" cap="flat" cmpd="sng" algn="ctr">
+          <a:solidFill>
+            <a:schemeClr val="phClr"/>
+          </a:solidFill>
+          <a:prstDash val="solid"/>
+          <a:miter lim="800000"/>
+        </a:ln>
+        <a:ln w="25400" cap="flat" cmpd="sng" algn="ctr">
+          <a:solidFill>
+            <a:schemeClr val="phClr"/>
+          </a:solidFill>
+          <a:prstDash val="solid"/>
+          <a:miter lim="800000"/>
+        </a:ln>
+      </a:lnStyleLst>
+      <a:effectStyleLst>
+        <a:effectStyle>
+          <a:effectLst/>
+        </a:effectStyle>
+        <a:effectStyle>
+          <a:effectLst/>
+        </a:effectStyle>
+        <a:effectStyle>
+          <a:effectLst>
+            <a:outerShdw blurRad="57150" dist="19050" dir="5400000" algn="ctr" rotWithShape="0">
+              <a:srgbClr val="000000">
+                <a:alpha val="63000"/>
+              </a:srgbClr>
+            </a:outerShdw>
+          </a:effectLst>
+        </a:effectStyle>
+      </a:effectStyleLst>
+      <a:bgFillStyleLst>
+        <a:solidFill>
+          <a:schemeClr val="phClr"/>
+        </a:solidFill>
+        <a:solidFill>
+          <a:schemeClr val="phClr">
+            <a:tint val="95000"/>
+            <a:satMod val="170000"/>
+          </a:schemeClr>
+        </a:solidFill>
+        <a:gradFill rotWithShape="1">
+          <a:gsLst>
+            <a:gs pos="0">
+              <a:schemeClr val="phClr">
+                <a:tint val="93000"/>
+                <a:satMod val="150000"/>
+                <a:shade val="98000"/>
+                <a:lumMod val="102000"/>
+              </a:schemeClr>
+            </a:gs>
+            <a:gs pos="50000">
+              <a:schemeClr val="phClr">
+                <a:tint val="98000"/>
+                <a:satMod val="130000"/>
+                <a:shade val="90000"/>
+                <a:lumMod val="103000"/>
+              </a:schemeClr>
+            </a:gs>
+            <a:gs pos="100000">
+              <a:schemeClr val="phClr">
+                <a:shade val="63000"/>
+                <a:satMod val="120000"/>
+              </a:schemeClr>
+            </a:gs>
+          </a:gsLst>
+          <a:lin ang="5400000" scaled="0"/>
+        </a:gradFill>
+      </a:bgFillStyleLst>
+    </a:fmtScheme>
+  </a:themeElements>
+  <a:objectDefaults>
+    <a:lnDef>
+      <a:spPr/>
+      <a:bodyPr/>
+      <a:lstStyle/>
+      <a:style>
+        <a:lnRef idx="2">
+          <a:schemeClr val="accent1"/>
+        </a:lnRef>
+        <a:fillRef idx="0">
+          <a:schemeClr val="accent1"/>
+        </a:fillRef>
+        <a:effectRef idx="1">
+          <a:schemeClr val="accent1"/>
+        </a:effectRef>
+        <a:fontRef idx="minor">
+          <a:schemeClr val="tx1"/>
+        </a:fontRef>
+      </a:style>
+    </a:lnDef>
+  </a:objectDefaults>
+  <a:extraClrSchemeLst/>
+  <a:extLst>
+    <a:ext uri="{05A4C25C-085E-4340-85A3-A5531E510DB2}">
+      <thm15:themeFamily xmlns:thm15="http://schemas.microsoft.com/office/thememl/2012/main" name="Office Theme" id="{2E142A2C-CD16-42D6-873A-C26D2A0506FA}" vid="{1BDDFF52-6CD6-40A5-AB3C-68EB2F1E4D0A}"/>
+    </a:ext>
+  </a:extLst>
+</a:theme>
 </file>